--- a/pptx_templates/final_template.pptx
+++ b/pptx_templates/final_template.pptx
@@ -185,7 +185,7 @@
 
 <file path=ppt/slideLayouts/slideLayout2.xml><?xml version="1.0" encoding="utf-8"?>
 <p:sldLayout xmlns:a="http://schemas.openxmlformats.org/drawingml/2006/main" xmlns:r="http://schemas.openxmlformats.org/officeDocument/2006/relationships" xmlns:p="http://schemas.openxmlformats.org/presentationml/2006/main" preserve="1" userDrawn="1">
-  <p:cSld name="2_Title Slide">
+  <p:cSld name="chapter_open">
     <p:bg>
       <p:bgPr>
         <a:solidFill>
@@ -211,6 +211,732 @@
           <a:chExt cx="0" cy="0"/>
         </a:xfrm>
       </p:grpSpPr>
+      <p:sp>
+        <p:nvSpPr>
+          <p:cNvPr id="3" name="static_11">
+            <a:extLst>
+              <a:ext uri="{FF2B5EF4-FFF2-40B4-BE49-F238E27FC236}">
+                <a16:creationId xmlns:a16="http://schemas.microsoft.com/office/drawing/2014/main" id="{381666B4-1BAE-F540-9054-1CF09658655D}"/>
+              </a:ext>
+            </a:extLst>
+          </p:cNvPr>
+          <p:cNvSpPr txBox="1"/>
+          <p:nvPr userDrawn="1"/>
+        </p:nvSpPr>
+        <p:spPr>
+          <a:xfrm>
+            <a:off x="71438" y="459288"/>
+            <a:ext cx="6697662" cy="523220"/>
+          </a:xfrm>
+          <a:prstGeom prst="rect">
+            <a:avLst/>
+          </a:prstGeom>
+          <a:noFill/>
+        </p:spPr>
+        <p:txBody>
+          <a:bodyPr wrap="square" rtlCol="0">
+            <a:spAutoFit/>
+          </a:bodyPr>
+          <a:lstStyle/>
+          <a:p>
+            <a:pPr marL="0" algn="ctr" defTabSz="457200" rtl="1" eaLnBrk="1" latinLnBrk="0" hangingPunct="1"/>
+            <a:r>
+              <a:rPr lang="he-IL" sz="2800" b="1" dirty="0">
+                <a:solidFill>
+                  <a:schemeClr val="bg1"/>
+                </a:solidFill>
+              </a:rPr>
+              <a:t>מערכת הבריאות – הדוח המאוחד</a:t>
+            </a:r>
+            <a:endParaRPr lang="en-IL" sz="2800" b="1" dirty="0">
+              <a:solidFill>
+                <a:schemeClr val="bg1"/>
+              </a:solidFill>
+            </a:endParaRPr>
+          </a:p>
+        </p:txBody>
+      </p:sp>
+      <p:sp>
+        <p:nvSpPr>
+          <p:cNvPr id="4" name="static_10">
+            <a:extLst>
+              <a:ext uri="{FF2B5EF4-FFF2-40B4-BE49-F238E27FC236}">
+                <a16:creationId xmlns:a16="http://schemas.microsoft.com/office/drawing/2014/main" id="{6E1921CC-A236-7F41-8C87-B2AE96533C53}"/>
+              </a:ext>
+            </a:extLst>
+          </p:cNvPr>
+          <p:cNvSpPr txBox="1"/>
+          <p:nvPr userDrawn="1"/>
+        </p:nvSpPr>
+        <p:spPr>
+          <a:xfrm>
+            <a:off x="71438" y="4275551"/>
+            <a:ext cx="2742743" cy="369332"/>
+          </a:xfrm>
+          <a:prstGeom prst="rect">
+            <a:avLst/>
+          </a:prstGeom>
+          <a:noFill/>
+          <a:effectLst>
+            <a:glow>
+              <a:schemeClr val="accent1">
+                <a:alpha val="40000"/>
+              </a:schemeClr>
+            </a:glow>
+            <a:outerShdw blurRad="50800" dist="38100" algn="l" rotWithShape="0">
+              <a:prstClr val="black">
+                <a:alpha val="40000"/>
+              </a:prstClr>
+            </a:outerShdw>
+          </a:effectLst>
+        </p:spPr>
+        <p:txBody>
+          <a:bodyPr wrap="square" rtlCol="0">
+            <a:spAutoFit/>
+          </a:bodyPr>
+          <a:lstStyle/>
+          <a:p>
+            <a:pPr marL="0" algn="r" defTabSz="457200" rtl="1" eaLnBrk="1" latinLnBrk="0" hangingPunct="1"/>
+            <a:r>
+              <a:rPr lang="he-IL" b="1" dirty="0"/>
+              <a:t>בהכנת אופיר בצר ואור קיים</a:t>
+            </a:r>
+            <a:endParaRPr lang="en-IL" b="1" dirty="0"/>
+          </a:p>
+        </p:txBody>
+      </p:sp>
+      <p:sp>
+        <p:nvSpPr>
+          <p:cNvPr id="5" name="static_9">
+            <a:extLst>
+              <a:ext uri="{FF2B5EF4-FFF2-40B4-BE49-F238E27FC236}">
+                <a16:creationId xmlns:a16="http://schemas.microsoft.com/office/drawing/2014/main" id="{DA7B7478-C7FF-5344-95D4-4E83428453D3}"/>
+              </a:ext>
+            </a:extLst>
+          </p:cNvPr>
+          <p:cNvSpPr txBox="1"/>
+          <p:nvPr userDrawn="1"/>
+        </p:nvSpPr>
+        <p:spPr>
+          <a:xfrm>
+            <a:off x="225469" y="2352028"/>
+            <a:ext cx="1102290" cy="276999"/>
+          </a:xfrm>
+          <a:prstGeom prst="rect">
+            <a:avLst/>
+          </a:prstGeom>
+          <a:noFill/>
+        </p:spPr>
+        <p:txBody>
+          <a:bodyPr wrap="square" rtlCol="0">
+            <a:spAutoFit/>
+          </a:bodyPr>
+          <a:lstStyle/>
+          <a:p>
+            <a:pPr marL="0" algn="r" defTabSz="457200" rtl="1" eaLnBrk="1" latinLnBrk="0" hangingPunct="1"/>
+            <a:r>
+              <a:rPr lang="he-IL" sz="1200" dirty="0">
+                <a:solidFill>
+                  <a:schemeClr val="bg1"/>
+                </a:solidFill>
+              </a:rPr>
+              <a:t>מספר עובדים</a:t>
+            </a:r>
+          </a:p>
+        </p:txBody>
+      </p:sp>
+      <p:sp>
+        <p:nvSpPr>
+          <p:cNvPr id="6" name="static_8">
+            <a:extLst>
+              <a:ext uri="{FF2B5EF4-FFF2-40B4-BE49-F238E27FC236}">
+                <a16:creationId xmlns:a16="http://schemas.microsoft.com/office/drawing/2014/main" id="{291486A0-0F7B-3348-AD9F-BB9E0360FCA6}"/>
+              </a:ext>
+            </a:extLst>
+          </p:cNvPr>
+          <p:cNvSpPr txBox="1"/>
+          <p:nvPr userDrawn="1"/>
+        </p:nvSpPr>
+        <p:spPr>
+          <a:xfrm>
+            <a:off x="1951973" y="2352029"/>
+            <a:ext cx="1102290" cy="276999"/>
+          </a:xfrm>
+          <a:prstGeom prst="rect">
+            <a:avLst/>
+          </a:prstGeom>
+          <a:noFill/>
+        </p:spPr>
+        <p:txBody>
+          <a:bodyPr wrap="square" rtlCol="0">
+            <a:spAutoFit/>
+          </a:bodyPr>
+          <a:lstStyle/>
+          <a:p>
+            <a:pPr marL="0" algn="r" defTabSz="457200" rtl="1" eaLnBrk="1" latinLnBrk="0" hangingPunct="1"/>
+            <a:r>
+              <a:rPr lang="he-IL" sz="1200" dirty="0">
+                <a:solidFill>
+                  <a:schemeClr val="bg1"/>
+                </a:solidFill>
+              </a:rPr>
+              <a:t>מספר משרות</a:t>
+            </a:r>
+            <a:endParaRPr lang="en-IL" sz="1200" dirty="0">
+              <a:solidFill>
+                <a:schemeClr val="bg1"/>
+              </a:solidFill>
+            </a:endParaRPr>
+          </a:p>
+        </p:txBody>
+      </p:sp>
+      <p:sp>
+        <p:nvSpPr>
+          <p:cNvPr id="7" name="static_7">
+            <a:extLst>
+              <a:ext uri="{FF2B5EF4-FFF2-40B4-BE49-F238E27FC236}">
+                <a16:creationId xmlns:a16="http://schemas.microsoft.com/office/drawing/2014/main" id="{0ECA090C-2FE0-5946-A9B4-A96FB5314ACF}"/>
+              </a:ext>
+            </a:extLst>
+          </p:cNvPr>
+          <p:cNvSpPr txBox="1"/>
+          <p:nvPr userDrawn="1"/>
+        </p:nvSpPr>
+        <p:spPr>
+          <a:xfrm>
+            <a:off x="3594970" y="2352029"/>
+            <a:ext cx="1356986" cy="276999"/>
+          </a:xfrm>
+          <a:prstGeom prst="rect">
+            <a:avLst/>
+          </a:prstGeom>
+          <a:noFill/>
+        </p:spPr>
+        <p:txBody>
+          <a:bodyPr wrap="square" rtlCol="0">
+            <a:spAutoFit/>
+          </a:bodyPr>
+          <a:lstStyle/>
+          <a:p>
+            <a:pPr marL="0" algn="r" defTabSz="457200" rtl="1" eaLnBrk="1" latinLnBrk="0" hangingPunct="1"/>
+            <a:r>
+              <a:rPr lang="he-IL" sz="1200" dirty="0">
+                <a:solidFill>
+                  <a:schemeClr val="bg1"/>
+                </a:solidFill>
+              </a:rPr>
+              <a:t>שכר ממוצע למשרה</a:t>
+            </a:r>
+            <a:endParaRPr lang="en-IL" sz="1200" dirty="0">
+              <a:solidFill>
+                <a:schemeClr val="bg1"/>
+              </a:solidFill>
+            </a:endParaRPr>
+          </a:p>
+        </p:txBody>
+      </p:sp>
+      <p:sp>
+        <p:nvSpPr>
+          <p:cNvPr id="8" name="static_6">
+            <a:extLst>
+              <a:ext uri="{FF2B5EF4-FFF2-40B4-BE49-F238E27FC236}">
+                <a16:creationId xmlns:a16="http://schemas.microsoft.com/office/drawing/2014/main" id="{7AE73AD6-104B-264B-BAFF-042AF8615E7E}"/>
+              </a:ext>
+            </a:extLst>
+          </p:cNvPr>
+          <p:cNvSpPr txBox="1"/>
+          <p:nvPr userDrawn="1"/>
+        </p:nvSpPr>
+        <p:spPr>
+          <a:xfrm>
+            <a:off x="5382016" y="2352030"/>
+            <a:ext cx="1296444" cy="276999"/>
+          </a:xfrm>
+          <a:prstGeom prst="rect">
+            <a:avLst/>
+          </a:prstGeom>
+          <a:noFill/>
+        </p:spPr>
+        <p:txBody>
+          <a:bodyPr wrap="square" rtlCol="0">
+            <a:spAutoFit/>
+          </a:bodyPr>
+          <a:lstStyle/>
+          <a:p>
+            <a:pPr marL="0" algn="r" defTabSz="457200" rtl="1" eaLnBrk="1" latinLnBrk="0" hangingPunct="1"/>
+            <a:r>
+              <a:rPr lang="he-IL" sz="1200" dirty="0">
+                <a:solidFill>
+                  <a:schemeClr val="bg1"/>
+                </a:solidFill>
+              </a:rPr>
+              <a:t>שכר חציוני למשרה</a:t>
+            </a:r>
+            <a:endParaRPr lang="en-IL" sz="1200" dirty="0">
+              <a:solidFill>
+                <a:schemeClr val="bg1"/>
+              </a:solidFill>
+            </a:endParaRPr>
+          </a:p>
+        </p:txBody>
+      </p:sp>
+      <p:sp>
+        <p:nvSpPr>
+          <p:cNvPr id="10" name="static_5">
+            <a:extLst>
+              <a:ext uri="{FF2B5EF4-FFF2-40B4-BE49-F238E27FC236}">
+                <a16:creationId xmlns:a16="http://schemas.microsoft.com/office/drawing/2014/main" id="{F4365604-361F-C645-AC06-40F34C27BEEB}"/>
+              </a:ext>
+            </a:extLst>
+          </p:cNvPr>
+          <p:cNvSpPr/>
+          <p:nvPr userDrawn="1"/>
+        </p:nvSpPr>
+        <p:spPr>
+          <a:xfrm>
+            <a:off x="5645063" y="1887255"/>
+            <a:ext cx="659704" cy="464773"/>
+          </a:xfrm>
+          <a:prstGeom prst="cloud">
+            <a:avLst/>
+          </a:prstGeom>
+        </p:spPr>
+        <p:style>
+          <a:lnRef idx="2">
+            <a:schemeClr val="accent1">
+              <a:shade val="50000"/>
+            </a:schemeClr>
+          </a:lnRef>
+          <a:fillRef idx="1">
+            <a:schemeClr val="accent1"/>
+          </a:fillRef>
+          <a:effectRef idx="0">
+            <a:schemeClr val="accent1"/>
+          </a:effectRef>
+          <a:fontRef idx="minor">
+            <a:schemeClr val="lt1"/>
+          </a:fontRef>
+        </p:style>
+        <p:txBody>
+          <a:bodyPr rtlCol="0" anchor="ctr"/>
+          <a:lstStyle/>
+          <a:p>
+            <a:pPr marL="0" algn="ctr" defTabSz="457200" rtl="1" eaLnBrk="1" latinLnBrk="0" hangingPunct="1"/>
+            <a:endParaRPr lang="en-IL"/>
+          </a:p>
+        </p:txBody>
+      </p:sp>
+      <p:sp>
+        <p:nvSpPr>
+          <p:cNvPr id="11" name="static_4">
+            <a:extLst>
+              <a:ext uri="{FF2B5EF4-FFF2-40B4-BE49-F238E27FC236}">
+                <a16:creationId xmlns:a16="http://schemas.microsoft.com/office/drawing/2014/main" id="{5885364D-F37E-4142-82C4-E3951B281704}"/>
+              </a:ext>
+            </a:extLst>
+          </p:cNvPr>
+          <p:cNvSpPr/>
+          <p:nvPr userDrawn="1"/>
+        </p:nvSpPr>
+        <p:spPr>
+          <a:xfrm>
+            <a:off x="3824614" y="1887255"/>
+            <a:ext cx="755737" cy="464773"/>
+          </a:xfrm>
+          <a:prstGeom prst="lightningBolt">
+            <a:avLst/>
+          </a:prstGeom>
+        </p:spPr>
+        <p:style>
+          <a:lnRef idx="2">
+            <a:schemeClr val="accent1">
+              <a:shade val="50000"/>
+            </a:schemeClr>
+          </a:lnRef>
+          <a:fillRef idx="1">
+            <a:schemeClr val="accent1"/>
+          </a:fillRef>
+          <a:effectRef idx="0">
+            <a:schemeClr val="accent1"/>
+          </a:effectRef>
+          <a:fontRef idx="minor">
+            <a:schemeClr val="lt1"/>
+          </a:fontRef>
+        </p:style>
+        <p:txBody>
+          <a:bodyPr rtlCol="0" anchor="ctr"/>
+          <a:lstStyle/>
+          <a:p>
+            <a:pPr marL="0" algn="ctr" defTabSz="457200" rtl="1" eaLnBrk="1" latinLnBrk="0" hangingPunct="1"/>
+            <a:endParaRPr lang="en-IL"/>
+          </a:p>
+        </p:txBody>
+      </p:sp>
+      <p:sp>
+        <p:nvSpPr>
+          <p:cNvPr id="12" name="static_3">
+            <a:extLst>
+              <a:ext uri="{FF2B5EF4-FFF2-40B4-BE49-F238E27FC236}">
+                <a16:creationId xmlns:a16="http://schemas.microsoft.com/office/drawing/2014/main" id="{3F030F6D-E00C-3B4A-9B04-A18EA789F631}"/>
+              </a:ext>
+            </a:extLst>
+          </p:cNvPr>
+          <p:cNvSpPr/>
+          <p:nvPr userDrawn="1"/>
+        </p:nvSpPr>
+        <p:spPr>
+          <a:xfrm>
+            <a:off x="2221282" y="1954060"/>
+            <a:ext cx="592899" cy="397968"/>
+          </a:xfrm>
+          <a:prstGeom prst="moon">
+            <a:avLst/>
+          </a:prstGeom>
+        </p:spPr>
+        <p:style>
+          <a:lnRef idx="2">
+            <a:schemeClr val="accent1">
+              <a:shade val="50000"/>
+            </a:schemeClr>
+          </a:lnRef>
+          <a:fillRef idx="1">
+            <a:schemeClr val="accent1"/>
+          </a:fillRef>
+          <a:effectRef idx="0">
+            <a:schemeClr val="accent1"/>
+          </a:effectRef>
+          <a:fontRef idx="minor">
+            <a:schemeClr val="lt1"/>
+          </a:fontRef>
+        </p:style>
+        <p:txBody>
+          <a:bodyPr rtlCol="0" anchor="ctr"/>
+          <a:lstStyle/>
+          <a:p>
+            <a:pPr marL="0" algn="ctr" defTabSz="457200" rtl="1" eaLnBrk="1" latinLnBrk="0" hangingPunct="1"/>
+            <a:endParaRPr lang="en-IL"/>
+          </a:p>
+        </p:txBody>
+      </p:sp>
+      <p:sp>
+        <p:nvSpPr>
+          <p:cNvPr id="13" name="static_2">
+            <a:extLst>
+              <a:ext uri="{FF2B5EF4-FFF2-40B4-BE49-F238E27FC236}">
+                <a16:creationId xmlns:a16="http://schemas.microsoft.com/office/drawing/2014/main" id="{AA7F8935-02F6-DB41-B4AC-694E57552085}"/>
+              </a:ext>
+            </a:extLst>
+          </p:cNvPr>
+          <p:cNvSpPr/>
+          <p:nvPr userDrawn="1"/>
+        </p:nvSpPr>
+        <p:spPr>
+          <a:xfrm>
+            <a:off x="501042" y="1962410"/>
+            <a:ext cx="776614" cy="397968"/>
+          </a:xfrm>
+          <a:prstGeom prst="sun">
+            <a:avLst/>
+          </a:prstGeom>
+        </p:spPr>
+        <p:style>
+          <a:lnRef idx="2">
+            <a:schemeClr val="accent1">
+              <a:shade val="50000"/>
+            </a:schemeClr>
+          </a:lnRef>
+          <a:fillRef idx="1">
+            <a:schemeClr val="accent1"/>
+          </a:fillRef>
+          <a:effectRef idx="0">
+            <a:schemeClr val="accent1"/>
+          </a:effectRef>
+          <a:fontRef idx="minor">
+            <a:schemeClr val="lt1"/>
+          </a:fontRef>
+        </p:style>
+        <p:txBody>
+          <a:bodyPr rtlCol="0" anchor="ctr"/>
+          <a:lstStyle/>
+          <a:p>
+            <a:pPr marL="0" algn="ctr" defTabSz="457200" rtl="1" eaLnBrk="1" latinLnBrk="0" hangingPunct="1"/>
+            <a:endParaRPr lang="en-IL"/>
+          </a:p>
+        </p:txBody>
+      </p:sp>
+      <p:sp>
+        <p:nvSpPr>
+          <p:cNvPr id="14" name="static_1">
+            <a:extLst>
+              <a:ext uri="{FF2B5EF4-FFF2-40B4-BE49-F238E27FC236}">
+                <a16:creationId xmlns:a16="http://schemas.microsoft.com/office/drawing/2014/main" id="{24889847-8689-3649-BC1C-7397AAC5A3E3}"/>
+              </a:ext>
+            </a:extLst>
+          </p:cNvPr>
+          <p:cNvSpPr txBox="1"/>
+          <p:nvPr userDrawn="1"/>
+        </p:nvSpPr>
+        <p:spPr>
+          <a:xfrm>
+            <a:off x="1002082" y="982771"/>
+            <a:ext cx="4784944" cy="584775"/>
+          </a:xfrm>
+          <a:prstGeom prst="rect">
+            <a:avLst/>
+          </a:prstGeom>
+          <a:noFill/>
+        </p:spPr>
+        <p:txBody>
+          <a:bodyPr wrap="square" rtlCol="0">
+            <a:spAutoFit/>
+          </a:bodyPr>
+          <a:lstStyle/>
+          <a:p>
+            <a:pPr marL="0" algn="ctr" defTabSz="457200" rtl="1" eaLnBrk="1" latinLnBrk="0" hangingPunct="1"/>
+            <a:r>
+              <a:rPr lang="he-IL" sz="1600" b="1" dirty="0">
+                <a:solidFill>
+                  <a:schemeClr val="bg1"/>
+                </a:solidFill>
+              </a:rPr>
+              <a:t>נתוני בתי החולים הממשלתיים, בתי חולים של קופת חולים כללית, ובתי החולים העירוניים</a:t>
+            </a:r>
+            <a:endParaRPr lang="en-IL" sz="1600" b="1" dirty="0">
+              <a:solidFill>
+                <a:schemeClr val="bg1"/>
+              </a:solidFill>
+            </a:endParaRPr>
+          </a:p>
+        </p:txBody>
+      </p:sp>
+      <p:sp>
+        <p:nvSpPr>
+          <p:cNvPr id="16" name="num_ovdim">
+            <a:extLst>
+              <a:ext uri="{FF2B5EF4-FFF2-40B4-BE49-F238E27FC236}">
+                <a16:creationId xmlns:a16="http://schemas.microsoft.com/office/drawing/2014/main" id="{48E54C2D-8001-D44F-84F3-B13D343F4A25}"/>
+              </a:ext>
+            </a:extLst>
+          </p:cNvPr>
+          <p:cNvSpPr>
+            <a:spLocks noGrp="1"/>
+          </p:cNvSpPr>
+          <p:nvPr>
+            <p:ph type="body" sz="quarter" idx="10" hasCustomPrompt="1"/>
+          </p:nvPr>
+        </p:nvSpPr>
+        <p:spPr>
+          <a:xfrm>
+            <a:off x="421775" y="2598655"/>
+            <a:ext cx="835025" cy="319088"/>
+          </a:xfrm>
+        </p:spPr>
+        <p:txBody>
+          <a:bodyPr lIns="0" tIns="0" rIns="0" bIns="0" anchor="ctr">
+            <a:noAutofit/>
+          </a:bodyPr>
+          <a:lstStyle>
+            <a:lvl1pPr marL="0" indent="0" algn="ctr" rtl="1">
+              <a:buNone/>
+              <a:defRPr sz="1200" b="1"/>
+            </a:lvl1pPr>
+            <a:lvl2pPr marL="321640" indent="0" algn="ctr" rtl="1">
+              <a:buNone/>
+              <a:defRPr/>
+            </a:lvl2pPr>
+            <a:lvl3pPr marL="643281" indent="0" algn="ctr" rtl="1">
+              <a:buNone/>
+              <a:defRPr/>
+            </a:lvl3pPr>
+            <a:lvl4pPr marL="964921" indent="0" algn="ctr" rtl="1">
+              <a:buNone/>
+              <a:defRPr/>
+            </a:lvl4pPr>
+            <a:lvl5pPr marL="1286561" indent="0" algn="ctr" rtl="1">
+              <a:buNone/>
+              <a:defRPr/>
+            </a:lvl5pPr>
+          </a:lstStyle>
+          <a:p>
+            <a:pPr lvl="0"/>
+            <a:r>
+              <a:rPr lang="en-IL" dirty="0"/>
+              <a:t>num_ovdim</a:t>
+            </a:r>
+          </a:p>
+        </p:txBody>
+      </p:sp>
+      <p:sp>
+        <p:nvSpPr>
+          <p:cNvPr id="17" name="num_misra">
+            <a:extLst>
+              <a:ext uri="{FF2B5EF4-FFF2-40B4-BE49-F238E27FC236}">
+                <a16:creationId xmlns:a16="http://schemas.microsoft.com/office/drawing/2014/main" id="{30EC7B60-A784-8F46-B5AA-A6F14051D4C0}"/>
+              </a:ext>
+            </a:extLst>
+          </p:cNvPr>
+          <p:cNvSpPr>
+            <a:spLocks noGrp="1"/>
+          </p:cNvSpPr>
+          <p:nvPr>
+            <p:ph type="body" sz="quarter" idx="11" hasCustomPrompt="1"/>
+          </p:nvPr>
+        </p:nvSpPr>
+        <p:spPr>
+          <a:xfrm>
+            <a:off x="2101274" y="2598655"/>
+            <a:ext cx="835025" cy="319088"/>
+          </a:xfrm>
+        </p:spPr>
+        <p:txBody>
+          <a:bodyPr lIns="0" tIns="0" rIns="0" bIns="0" anchor="ctr">
+            <a:noAutofit/>
+          </a:bodyPr>
+          <a:lstStyle>
+            <a:lvl1pPr marL="0" indent="0" algn="ctr" rtl="1">
+              <a:buNone/>
+              <a:defRPr sz="1200" b="1"/>
+            </a:lvl1pPr>
+            <a:lvl2pPr marL="321640" indent="0" algn="ctr" rtl="1">
+              <a:buNone/>
+              <a:defRPr/>
+            </a:lvl2pPr>
+            <a:lvl3pPr marL="643281" indent="0" algn="ctr" rtl="1">
+              <a:buNone/>
+              <a:defRPr/>
+            </a:lvl3pPr>
+            <a:lvl4pPr marL="964921" indent="0" algn="ctr" rtl="1">
+              <a:buNone/>
+              <a:defRPr/>
+            </a:lvl4pPr>
+            <a:lvl5pPr marL="1286561" indent="0" algn="ctr" rtl="1">
+              <a:buNone/>
+              <a:defRPr/>
+            </a:lvl5pPr>
+          </a:lstStyle>
+          <a:p>
+            <a:pPr lvl="0"/>
+            <a:r>
+              <a:rPr lang="en-IL" dirty="0"/>
+              <a:t>num_misra</a:t>
+            </a:r>
+          </a:p>
+        </p:txBody>
+      </p:sp>
+      <p:sp>
+        <p:nvSpPr>
+          <p:cNvPr id="18" name="sal_mean">
+            <a:extLst>
+              <a:ext uri="{FF2B5EF4-FFF2-40B4-BE49-F238E27FC236}">
+                <a16:creationId xmlns:a16="http://schemas.microsoft.com/office/drawing/2014/main" id="{376D7F0B-9F08-CA4F-AFA6-4052B828D616}"/>
+              </a:ext>
+            </a:extLst>
+          </p:cNvPr>
+          <p:cNvSpPr>
+            <a:spLocks noGrp="1"/>
+          </p:cNvSpPr>
+          <p:nvPr>
+            <p:ph type="body" sz="quarter" idx="12" hasCustomPrompt="1"/>
+          </p:nvPr>
+        </p:nvSpPr>
+        <p:spPr>
+          <a:xfrm>
+            <a:off x="3888320" y="2602460"/>
+            <a:ext cx="835025" cy="319088"/>
+          </a:xfrm>
+        </p:spPr>
+        <p:txBody>
+          <a:bodyPr lIns="0" tIns="0" rIns="0" bIns="0" anchor="ctr">
+            <a:noAutofit/>
+          </a:bodyPr>
+          <a:lstStyle>
+            <a:lvl1pPr marL="0" indent="0" algn="ctr" rtl="1">
+              <a:buNone/>
+              <a:defRPr sz="1200" b="1"/>
+            </a:lvl1pPr>
+            <a:lvl2pPr marL="321640" indent="0" algn="ctr" rtl="1">
+              <a:buNone/>
+              <a:defRPr/>
+            </a:lvl2pPr>
+            <a:lvl3pPr marL="643281" indent="0" algn="ctr" rtl="1">
+              <a:buNone/>
+              <a:defRPr/>
+            </a:lvl3pPr>
+            <a:lvl4pPr marL="964921" indent="0" algn="ctr" rtl="1">
+              <a:buNone/>
+              <a:defRPr/>
+            </a:lvl4pPr>
+            <a:lvl5pPr marL="1286561" indent="0" algn="ctr" rtl="1">
+              <a:buNone/>
+              <a:defRPr/>
+            </a:lvl5pPr>
+          </a:lstStyle>
+          <a:p>
+            <a:pPr lvl="0"/>
+            <a:r>
+              <a:rPr lang="en-IL" dirty="0"/>
+              <a:t>sal_mean</a:t>
+            </a:r>
+          </a:p>
+        </p:txBody>
+      </p:sp>
+      <p:sp>
+        <p:nvSpPr>
+          <p:cNvPr id="19" name="sal_mid">
+            <a:extLst>
+              <a:ext uri="{FF2B5EF4-FFF2-40B4-BE49-F238E27FC236}">
+                <a16:creationId xmlns:a16="http://schemas.microsoft.com/office/drawing/2014/main" id="{9E9D5726-894A-8F41-833E-A95940BB0E8E}"/>
+              </a:ext>
+            </a:extLst>
+          </p:cNvPr>
+          <p:cNvSpPr>
+            <a:spLocks noGrp="1"/>
+          </p:cNvSpPr>
+          <p:nvPr>
+            <p:ph type="body" sz="quarter" idx="13" hasCustomPrompt="1"/>
+          </p:nvPr>
+        </p:nvSpPr>
+        <p:spPr>
+          <a:xfrm>
+            <a:off x="5557402" y="2602460"/>
+            <a:ext cx="835025" cy="319088"/>
+          </a:xfrm>
+        </p:spPr>
+        <p:txBody>
+          <a:bodyPr lIns="0" tIns="0" rIns="0" bIns="0" anchor="ctr">
+            <a:noAutofit/>
+          </a:bodyPr>
+          <a:lstStyle>
+            <a:lvl1pPr marL="0" indent="0" algn="ctr" rtl="1">
+              <a:buNone/>
+              <a:defRPr sz="1200" b="1"/>
+            </a:lvl1pPr>
+            <a:lvl2pPr marL="321640" indent="0" algn="ctr" rtl="1">
+              <a:buNone/>
+              <a:defRPr/>
+            </a:lvl2pPr>
+            <a:lvl3pPr marL="643281" indent="0" algn="ctr" rtl="1">
+              <a:buNone/>
+              <a:defRPr/>
+            </a:lvl3pPr>
+            <a:lvl4pPr marL="964921" indent="0" algn="ctr" rtl="1">
+              <a:buNone/>
+              <a:defRPr/>
+            </a:lvl4pPr>
+            <a:lvl5pPr marL="1286561" indent="0" algn="ctr" rtl="1">
+              <a:buNone/>
+              <a:defRPr/>
+            </a:lvl5pPr>
+          </a:lstStyle>
+          <a:p>
+            <a:pPr lvl="0"/>
+            <a:r>
+              <a:rPr lang="en-IL" dirty="0"/>
+              <a:t>sal_mid</a:t>
+            </a:r>
+          </a:p>
+        </p:txBody>
+      </p:sp>
     </p:spTree>
     <p:extLst>
       <p:ext uri="{BB962C8B-B14F-4D97-AF65-F5344CB8AC3E}">
@@ -272,7 +998,7 @@
 
 <file path=ppt/slideLayouts/slideLayout3.xml><?xml version="1.0" encoding="utf-8"?>
 <p:sldLayout xmlns:a="http://schemas.openxmlformats.org/drawingml/2006/main" xmlns:r="http://schemas.openxmlformats.org/officeDocument/2006/relationships" xmlns:p="http://schemas.openxmlformats.org/presentationml/2006/main" preserve="1" userDrawn="1">
-  <p:cSld name="3_Title Slide">
+  <p:cSld name="p_0">
     <p:bg>
       <p:bgPr>
         <a:solidFill>
@@ -295,9 +1021,55 @@
           <a:chExt cx="0" cy="0"/>
         </a:xfrm>
       </p:grpSpPr>
-      <p:sp>
-        <p:nvSpPr>
-          <p:cNvPr id="2" name="name_of_capter">
+      <p:cxnSp>
+        <p:nvCxnSpPr>
+          <p:cNvPr id="16" name="static_line">
+            <a:extLst>
+              <a:ext uri="{FF2B5EF4-FFF2-40B4-BE49-F238E27FC236}">
+                <a16:creationId xmlns:a16="http://schemas.microsoft.com/office/drawing/2014/main" id="{2016B5E9-5CA4-9A47-9918-2F3A07F9774B}"/>
+              </a:ext>
+            </a:extLst>
+          </p:cNvPr>
+          <p:cNvCxnSpPr>
+            <a:cxnSpLocks/>
+          </p:cNvCxnSpPr>
+          <p:nvPr userDrawn="1"/>
+        </p:nvCxnSpPr>
+        <p:spPr>
+          <a:xfrm flipH="1">
+            <a:off x="1562583" y="742776"/>
+            <a:ext cx="5025542" cy="0"/>
+          </a:xfrm>
+          <a:prstGeom prst="line">
+            <a:avLst/>
+          </a:prstGeom>
+          <a:ln w="15875">
+            <a:solidFill>
+              <a:schemeClr val="accent1">
+                <a:lumMod val="60000"/>
+                <a:lumOff val="40000"/>
+              </a:schemeClr>
+            </a:solidFill>
+          </a:ln>
+        </p:spPr>
+        <p:style>
+          <a:lnRef idx="1">
+            <a:schemeClr val="accent1"/>
+          </a:lnRef>
+          <a:fillRef idx="0">
+            <a:schemeClr val="accent1"/>
+          </a:fillRef>
+          <a:effectRef idx="0">
+            <a:schemeClr val="accent1"/>
+          </a:effectRef>
+          <a:fontRef idx="minor">
+            <a:schemeClr val="tx1"/>
+          </a:fontRef>
+        </p:style>
+      </p:cxnSp>
+      <p:sp>
+        <p:nvSpPr>
+          <p:cNvPr id="2" name="static_text">
             <a:extLst>
               <a:ext uri="{FF2B5EF4-FFF2-40B4-BE49-F238E27FC236}">
                 <a16:creationId xmlns:a16="http://schemas.microsoft.com/office/drawing/2014/main" id="{A5DE7A3C-5DF0-8540-812E-06AB52B41FB7}"/>
@@ -309,7 +1081,7 @@
         </p:nvSpPr>
         <p:spPr>
           <a:xfrm>
-            <a:off x="306908" y="4640724"/>
+            <a:off x="306908" y="4673385"/>
             <a:ext cx="1255675" cy="107722"/>
           </a:xfrm>
           <a:prstGeom prst="rect">
@@ -334,7 +1106,7 @@
       </p:sp>
       <p:sp>
         <p:nvSpPr>
-          <p:cNvPr id="3" name="Rectangle 2">
+          <p:cNvPr id="3" name="static_box_page_number">
             <a:extLst>
               <a:ext uri="{FF2B5EF4-FFF2-40B4-BE49-F238E27FC236}">
                 <a16:creationId xmlns:a16="http://schemas.microsoft.com/office/drawing/2014/main" id="{E9A34914-2E95-3844-BE6E-43DCE8D48D28}"/>
@@ -346,7 +1118,7 @@
         </p:nvSpPr>
         <p:spPr>
           <a:xfrm>
-            <a:off x="0" y="4629864"/>
+            <a:off x="0" y="4662525"/>
             <a:ext cx="280705" cy="123111"/>
           </a:xfrm>
           <a:prstGeom prst="rect">
@@ -355,6 +1127,7 @@
           <a:solidFill>
             <a:schemeClr val="accent1"/>
           </a:solidFill>
+          <a:ln w="0"/>
         </p:spPr>
         <p:style>
           <a:lnRef idx="2">
@@ -376,17 +1149,70 @@
           <a:bodyPr rtlCol="0" anchor="ctr"/>
           <a:lstStyle/>
           <a:p>
-            <a:pPr marL="0" algn="ctr" defTabSz="457200" rtl="1" eaLnBrk="1" latinLnBrk="0" hangingPunct="1"/>
-            <a:endParaRPr lang="en-IL"/>
-          </a:p>
-        </p:txBody>
-      </p:sp>
-      <p:sp>
-        <p:nvSpPr>
-          <p:cNvPr id="5" name="Text Placeholder 4">
-            <a:extLst>
-              <a:ext uri="{FF2B5EF4-FFF2-40B4-BE49-F238E27FC236}">
-                <a16:creationId xmlns:a16="http://schemas.microsoft.com/office/drawing/2014/main" id="{848EE68D-3EB5-E24A-A8A8-406F4AED5BA7}"/>
+            <a:pPr marL="0" algn="ctr" defTabSz="457200" rtl="0" eaLnBrk="1" latinLnBrk="0" hangingPunct="1"/>
+            <a:endParaRPr lang="en-IL" dirty="0"/>
+          </a:p>
+        </p:txBody>
+      </p:sp>
+      <p:sp>
+        <p:nvSpPr>
+          <p:cNvPr id="11" name="static_box_top">
+            <a:extLst>
+              <a:ext uri="{FF2B5EF4-FFF2-40B4-BE49-F238E27FC236}">
+                <a16:creationId xmlns:a16="http://schemas.microsoft.com/office/drawing/2014/main" id="{3CBFF075-9909-7C4E-BA60-EC74CE4A8B9F}"/>
+              </a:ext>
+            </a:extLst>
+          </p:cNvPr>
+          <p:cNvSpPr/>
+          <p:nvPr userDrawn="1"/>
+        </p:nvSpPr>
+        <p:spPr>
+          <a:xfrm>
+            <a:off x="1562584" y="428625"/>
+            <a:ext cx="5025542" cy="45719"/>
+          </a:xfrm>
+          <a:prstGeom prst="rect">
+            <a:avLst/>
+          </a:prstGeom>
+          <a:solidFill>
+            <a:schemeClr val="accent5"/>
+          </a:solidFill>
+          <a:ln w="0" cap="flat" cmpd="tri">
+            <a:prstDash val="solid"/>
+            <a:miter lim="800000"/>
+          </a:ln>
+        </p:spPr>
+        <p:style>
+          <a:lnRef idx="2">
+            <a:schemeClr val="accent5">
+              <a:shade val="50000"/>
+            </a:schemeClr>
+          </a:lnRef>
+          <a:fillRef idx="1">
+            <a:schemeClr val="accent5"/>
+          </a:fillRef>
+          <a:effectRef idx="0">
+            <a:schemeClr val="accent5"/>
+          </a:effectRef>
+          <a:fontRef idx="minor">
+            <a:schemeClr val="lt1"/>
+          </a:fontRef>
+        </p:style>
+        <p:txBody>
+          <a:bodyPr rtlCol="0" anchor="ctr"/>
+          <a:lstStyle/>
+          <a:p>
+            <a:pPr algn="ctr"/>
+            <a:endParaRPr lang="en-IL" dirty="0"/>
+          </a:p>
+        </p:txBody>
+      </p:sp>
+      <p:sp>
+        <p:nvSpPr>
+          <p:cNvPr id="10" name="page_number">
+            <a:extLst>
+              <a:ext uri="{FF2B5EF4-FFF2-40B4-BE49-F238E27FC236}">
+                <a16:creationId xmlns:a16="http://schemas.microsoft.com/office/drawing/2014/main" id="{5804BB10-C653-B54B-8392-330391724E37}"/>
               </a:ext>
             </a:extLst>
           </p:cNvPr>
@@ -394,56 +1220,195 @@
             <a:spLocks noGrp="1"/>
           </p:cNvSpPr>
           <p:nvPr>
-            <p:ph type="body" sz="quarter" idx="10" hasCustomPrompt="1"/>
+            <p:ph type="body" sz="quarter" idx="11" hasCustomPrompt="1"/>
           </p:nvPr>
         </p:nvSpPr>
         <p:spPr>
           <a:xfrm>
-            <a:off x="0" y="4629150"/>
-            <a:ext cx="280988" cy="123825"/>
-          </a:xfrm>
-        </p:spPr>
-        <p:txBody>
-          <a:bodyPr>
+            <a:off x="-1" y="4657996"/>
+            <a:ext cx="280705" cy="123111"/>
+          </a:xfrm>
+        </p:spPr>
+        <p:txBody>
+          <a:bodyPr lIns="0" tIns="0" rIns="0" bIns="0" anchor="ctr">
+            <a:normAutofit/>
+          </a:bodyPr>
+          <a:lstStyle>
+            <a:lvl1pPr marL="0" indent="0" algn="ctr">
+              <a:buNone/>
+              <a:defRPr sz="600" b="1">
+                <a:solidFill>
+                  <a:schemeClr val="bg1"/>
+                </a:solidFill>
+              </a:defRPr>
+            </a:lvl1pPr>
+          </a:lstStyle>
+          <a:p>
+            <a:pPr lvl="0"/>
+            <a:r>
+              <a:rPr lang="en-US" dirty="0" err="1"/>
+              <a:t>p_n</a:t>
+            </a:r>
+            <a:endParaRPr lang="en-IL" dirty="0"/>
+          </a:p>
+        </p:txBody>
+      </p:sp>
+      <p:sp>
+        <p:nvSpPr>
+          <p:cNvPr id="13" name="analysis_number">
+            <a:extLst>
+              <a:ext uri="{FF2B5EF4-FFF2-40B4-BE49-F238E27FC236}">
+                <a16:creationId xmlns:a16="http://schemas.microsoft.com/office/drawing/2014/main" id="{196AF0B3-D0A9-5E4E-BE97-6D217790F8CA}"/>
+              </a:ext>
+            </a:extLst>
+          </p:cNvPr>
+          <p:cNvSpPr>
+            <a:spLocks noGrp="1"/>
+          </p:cNvSpPr>
+          <p:nvPr>
+            <p:ph type="body" sz="quarter" idx="12" hasCustomPrompt="1"/>
+          </p:nvPr>
+        </p:nvSpPr>
+        <p:spPr>
+          <a:xfrm>
+            <a:off x="5930900" y="179388"/>
+            <a:ext cx="657225" cy="230187"/>
+          </a:xfrm>
+        </p:spPr>
+        <p:txBody>
+          <a:bodyPr lIns="0" tIns="0" rIns="0" bIns="0" anchor="ctr"/>
+          <a:lstStyle>
+            <a:lvl1pPr marL="0" indent="0" algn="r">
+              <a:buNone/>
+              <a:defRPr b="1">
+                <a:solidFill>
+                  <a:schemeClr val="accent1">
+                    <a:lumMod val="60000"/>
+                    <a:lumOff val="40000"/>
+                  </a:schemeClr>
+                </a:solidFill>
+                <a:latin typeface="Arial" panose="020B0604020202020204" pitchFamily="34" charset="0"/>
+                <a:cs typeface="Arial" panose="020B0604020202020204" pitchFamily="34" charset="0"/>
+              </a:defRPr>
+            </a:lvl1pPr>
+          </a:lstStyle>
+          <a:p>
+            <a:pPr lvl="0"/>
+            <a:r>
+              <a:rPr lang="en-IL" dirty="0"/>
+              <a:t>a_n</a:t>
+            </a:r>
+          </a:p>
+        </p:txBody>
+      </p:sp>
+      <p:sp>
+        <p:nvSpPr>
+          <p:cNvPr id="24" name="title_text">
+            <a:extLst>
+              <a:ext uri="{FF2B5EF4-FFF2-40B4-BE49-F238E27FC236}">
+                <a16:creationId xmlns:a16="http://schemas.microsoft.com/office/drawing/2014/main" id="{B119C92A-366C-B44A-8FD7-913B276D5629}"/>
+              </a:ext>
+            </a:extLst>
+          </p:cNvPr>
+          <p:cNvSpPr>
+            <a:spLocks noGrp="1"/>
+          </p:cNvSpPr>
+          <p:nvPr>
+            <p:ph type="body" sz="quarter" idx="13" hasCustomPrompt="1"/>
+          </p:nvPr>
+        </p:nvSpPr>
+        <p:spPr>
+          <a:xfrm>
+            <a:off x="1562100" y="509000"/>
+            <a:ext cx="5026025" cy="192088"/>
+          </a:xfrm>
+        </p:spPr>
+        <p:txBody>
+          <a:bodyPr lIns="0" tIns="0" rIns="0" bIns="0" anchor="ctr">
             <a:noAutofit/>
           </a:bodyPr>
           <a:lstStyle>
-            <a:lvl1pPr>
-              <a:defRPr sz="500"/>
+            <a:lvl1pPr marL="0" indent="0" algn="r" rtl="1">
+              <a:buFontTx/>
+              <a:buNone/>
+              <a:defRPr sz="1600" b="1">
+                <a:latin typeface="Arial" panose="020B0604020202020204" pitchFamily="34" charset="0"/>
+                <a:cs typeface="Arial" panose="020B0604020202020204" pitchFamily="34" charset="0"/>
+              </a:defRPr>
             </a:lvl1pPr>
-            <a:lvl2pPr>
-              <a:defRPr sz="500"/>
+            <a:lvl2pPr marL="321640" indent="0">
+              <a:buNone/>
+              <a:defRPr/>
             </a:lvl2pPr>
-            <a:lvl3pPr>
-              <a:defRPr sz="500"/>
+          </a:lstStyle>
+          <a:p>
+            <a:pPr lvl="0"/>
+            <a:r>
+              <a:rPr lang="en-US" dirty="0"/>
+              <a:t>title</a:t>
+            </a:r>
+          </a:p>
+        </p:txBody>
+      </p:sp>
+      <p:sp>
+        <p:nvSpPr>
+          <p:cNvPr id="26" name="main_text">
+            <a:extLst>
+              <a:ext uri="{FF2B5EF4-FFF2-40B4-BE49-F238E27FC236}">
+                <a16:creationId xmlns:a16="http://schemas.microsoft.com/office/drawing/2014/main" id="{5D2B8F72-D20C-8647-A734-B4C5BC8FC7E0}"/>
+              </a:ext>
+            </a:extLst>
+          </p:cNvPr>
+          <p:cNvSpPr>
+            <a:spLocks noGrp="1"/>
+          </p:cNvSpPr>
+          <p:nvPr>
+            <p:ph type="body" sz="quarter" idx="14" hasCustomPrompt="1"/>
+          </p:nvPr>
+        </p:nvSpPr>
+        <p:spPr>
+          <a:xfrm>
+            <a:off x="1553750" y="860425"/>
+            <a:ext cx="5026025" cy="3752850"/>
+          </a:xfrm>
+        </p:spPr>
+        <p:txBody>
+          <a:bodyPr lIns="0" tIns="0" rIns="0" bIns="0"/>
+          <a:lstStyle>
+            <a:lvl1pPr marL="0" indent="0" algn="r" rtl="1">
+              <a:buNone/>
+              <a:defRPr sz="900">
+                <a:latin typeface="Arial" panose="020B0604020202020204" pitchFamily="34" charset="0"/>
+                <a:cs typeface="Arial" panose="020B0604020202020204" pitchFamily="34" charset="0"/>
+              </a:defRPr>
+            </a:lvl1pPr>
+            <a:lvl2pPr marL="321640" indent="0">
+              <a:buNone/>
+              <a:defRPr/>
+            </a:lvl2pPr>
+            <a:lvl3pPr marL="643281" indent="0">
+              <a:buNone/>
+              <a:defRPr/>
             </a:lvl3pPr>
-            <a:lvl4pPr>
-              <a:defRPr sz="500"/>
+            <a:lvl4pPr marL="964921" indent="0">
+              <a:buNone/>
+              <a:defRPr/>
             </a:lvl4pPr>
-            <a:lvl5pPr marL="1286561" indent="0" algn="ctr">
-              <a:buNone/>
-              <a:defRPr sz="200"/>
+            <a:lvl5pPr marL="1286561" indent="0">
+              <a:buNone/>
+              <a:defRPr/>
             </a:lvl5pPr>
           </a:lstStyle>
           <a:p>
-            <a:pPr marL="1447381" lvl="4" indent="-160820" algn="r" defTabSz="643280" rtl="1" eaLnBrk="1" latinLnBrk="0" hangingPunct="1">
-              <a:lnSpc>
-                <a:spcPct val="90000"/>
-              </a:lnSpc>
-              <a:spcBef>
-                <a:spcPts val="352"/>
-              </a:spcBef>
-              <a:buFont typeface="Arial" panose="020B0604020202020204" pitchFamily="34" charset="0"/>
-              <a:buChar char="•"/>
-            </a:pPr>
+            <a:pPr lvl="0"/>
             <a:r>
               <a:rPr lang="en-US" dirty="0"/>
-              <a:t>P</a:t>
+              <a:t>text</a:t>
             </a:r>
-            <a:r>
-              <a:rPr lang="en-IL" dirty="0"/>
-              <a:t>age_num</a:t>
-            </a:r>
+          </a:p>
+          <a:p>
+            <a:pPr lvl="1"/>
+            <a:endParaRPr lang="en-IL" dirty="0"/>
           </a:p>
         </p:txBody>
       </p:sp>
@@ -460,32 +1425,32 @@
   <p:extLst>
     <p:ext uri="{DCECCB84-F9BA-43D5-87BE-67443E8EF086}">
       <p15:sldGuideLst xmlns:p15="http://schemas.microsoft.com/office/powerpoint/2012/main">
-        <p15:guide id="1" pos="2155" userDrawn="1">
+        <p15:guide id="1" pos="159" userDrawn="1">
           <p15:clr>
             <a:srgbClr val="FBAE40"/>
           </p15:clr>
         </p15:guide>
-        <p15:guide id="2" orient="horz" pos="1519" userDrawn="1">
+        <p15:guide id="2" orient="horz" pos="1520" userDrawn="1">
           <p15:clr>
             <a:srgbClr val="FBAE40"/>
           </p15:clr>
         </p15:guide>
-        <p15:guide id="3" orient="horz" pos="45" userDrawn="1">
+        <p15:guide id="3" orient="horz" pos="23" userDrawn="1">
           <p15:clr>
             <a:srgbClr val="000000"/>
           </p15:clr>
         </p15:guide>
-        <p15:guide id="4" orient="horz" pos="2994" userDrawn="1">
+        <p15:guide id="4" orient="horz" pos="3016" userDrawn="1">
           <p15:clr>
             <a:srgbClr val="000000"/>
           </p15:clr>
         </p15:guide>
-        <p15:guide id="5" pos="45" userDrawn="1">
+        <p15:guide id="5" pos="23" userDrawn="1">
           <p15:clr>
             <a:srgbClr val="000000"/>
           </p15:clr>
         </p15:guide>
-        <p15:guide id="6" pos="4264" userDrawn="1">
+        <p15:guide id="6" pos="4286" userDrawn="1">
           <p15:clr>
             <a:srgbClr val="000000"/>
           </p15:clr>
@@ -498,6 +1463,2129 @@
         <p15:guide id="8" pos="2177" userDrawn="1">
           <p15:clr>
             <a:srgbClr val="000000"/>
+          </p15:clr>
+        </p15:guide>
+        <p15:guide id="9" orient="horz" pos="2926" userDrawn="1">
+          <p15:clr>
+            <a:srgbClr val="FBAE40"/>
+          </p15:clr>
+        </p15:guide>
+        <p15:guide id="10" orient="horz" pos="113" userDrawn="1">
+          <p15:clr>
+            <a:srgbClr val="FBAE40"/>
+          </p15:clr>
+        </p15:guide>
+        <p15:guide id="12" pos="4150" userDrawn="1">
+          <p15:clr>
+            <a:srgbClr val="FBAE40"/>
+          </p15:clr>
+        </p15:guide>
+        <p15:guide id="13" pos="2154" userDrawn="1">
+          <p15:clr>
+            <a:srgbClr val="FBAE40"/>
+          </p15:clr>
+        </p15:guide>
+        <p15:guide id="14" pos="975" userDrawn="1">
+          <p15:clr>
+            <a:srgbClr val="FBAE40"/>
+          </p15:clr>
+        </p15:guide>
+      </p15:sldGuideLst>
+    </p:ext>
+  </p:extLst>
+</p:sldLayout>
+</file>
+
+<file path=ppt/slideLayouts/slideLayout4.xml><?xml version="1.0" encoding="utf-8"?>
+<p:sldLayout xmlns:a="http://schemas.openxmlformats.org/drawingml/2006/main" xmlns:r="http://schemas.openxmlformats.org/officeDocument/2006/relationships" xmlns:p="http://schemas.openxmlformats.org/presentationml/2006/main" preserve="1" userDrawn="1">
+  <p:cSld name="p_50">
+    <p:bg>
+      <p:bgPr>
+        <a:solidFill>
+          <a:schemeClr val="bg1"/>
+        </a:solidFill>
+        <a:effectLst/>
+      </p:bgPr>
+    </p:bg>
+    <p:spTree>
+      <p:nvGrpSpPr>
+        <p:cNvPr id="1" name=""/>
+        <p:cNvGrpSpPr/>
+        <p:nvPr/>
+      </p:nvGrpSpPr>
+      <p:grpSpPr>
+        <a:xfrm>
+          <a:off x="0" y="0"/>
+          <a:ext cx="0" cy="0"/>
+          <a:chOff x="0" y="0"/>
+          <a:chExt cx="0" cy="0"/>
+        </a:xfrm>
+      </p:grpSpPr>
+      <p:cxnSp>
+        <p:nvCxnSpPr>
+          <p:cNvPr id="16" name="static_line">
+            <a:extLst>
+              <a:ext uri="{FF2B5EF4-FFF2-40B4-BE49-F238E27FC236}">
+                <a16:creationId xmlns:a16="http://schemas.microsoft.com/office/drawing/2014/main" id="{2016B5E9-5CA4-9A47-9918-2F3A07F9774B}"/>
+              </a:ext>
+            </a:extLst>
+          </p:cNvPr>
+          <p:cNvCxnSpPr>
+            <a:cxnSpLocks/>
+          </p:cNvCxnSpPr>
+          <p:nvPr userDrawn="1"/>
+        </p:nvCxnSpPr>
+        <p:spPr>
+          <a:xfrm flipH="1">
+            <a:off x="3455988" y="972416"/>
+            <a:ext cx="3132137" cy="0"/>
+          </a:xfrm>
+          <a:prstGeom prst="line">
+            <a:avLst/>
+          </a:prstGeom>
+          <a:ln w="15875">
+            <a:solidFill>
+              <a:schemeClr val="accent1">
+                <a:lumMod val="60000"/>
+                <a:lumOff val="40000"/>
+              </a:schemeClr>
+            </a:solidFill>
+          </a:ln>
+        </p:spPr>
+        <p:style>
+          <a:lnRef idx="1">
+            <a:schemeClr val="accent1"/>
+          </a:lnRef>
+          <a:fillRef idx="0">
+            <a:schemeClr val="accent1"/>
+          </a:fillRef>
+          <a:effectRef idx="0">
+            <a:schemeClr val="accent1"/>
+          </a:effectRef>
+          <a:fontRef idx="minor">
+            <a:schemeClr val="tx1"/>
+          </a:fontRef>
+        </p:style>
+      </p:cxnSp>
+      <p:sp>
+        <p:nvSpPr>
+          <p:cNvPr id="2" name="static_text">
+            <a:extLst>
+              <a:ext uri="{FF2B5EF4-FFF2-40B4-BE49-F238E27FC236}">
+                <a16:creationId xmlns:a16="http://schemas.microsoft.com/office/drawing/2014/main" id="{A5DE7A3C-5DF0-8540-812E-06AB52B41FB7}"/>
+              </a:ext>
+            </a:extLst>
+          </p:cNvPr>
+          <p:cNvSpPr txBox="1"/>
+          <p:nvPr userDrawn="1"/>
+        </p:nvSpPr>
+        <p:spPr>
+          <a:xfrm>
+            <a:off x="306908" y="4673385"/>
+            <a:ext cx="1255675" cy="107722"/>
+          </a:xfrm>
+          <a:prstGeom prst="rect">
+            <a:avLst/>
+          </a:prstGeom>
+          <a:noFill/>
+        </p:spPr>
+        <p:txBody>
+          <a:bodyPr wrap="square" lIns="0" tIns="0" rIns="0" bIns="0" rtlCol="0" anchor="t">
+            <a:spAutoFit/>
+          </a:bodyPr>
+          <a:lstStyle/>
+          <a:p>
+            <a:pPr algn="ctr"/>
+            <a:r>
+              <a:rPr lang="he-IL" sz="700" dirty="0"/>
+              <a:t>פרק 4 מערכת הבריאות הממשלתית</a:t>
+            </a:r>
+            <a:endParaRPr lang="en-IL" sz="700" dirty="0"/>
+          </a:p>
+        </p:txBody>
+      </p:sp>
+      <p:sp>
+        <p:nvSpPr>
+          <p:cNvPr id="3" name="static_box_page_number">
+            <a:extLst>
+              <a:ext uri="{FF2B5EF4-FFF2-40B4-BE49-F238E27FC236}">
+                <a16:creationId xmlns:a16="http://schemas.microsoft.com/office/drawing/2014/main" id="{E9A34914-2E95-3844-BE6E-43DCE8D48D28}"/>
+              </a:ext>
+            </a:extLst>
+          </p:cNvPr>
+          <p:cNvSpPr/>
+          <p:nvPr userDrawn="1"/>
+        </p:nvSpPr>
+        <p:spPr>
+          <a:xfrm>
+            <a:off x="0" y="4662525"/>
+            <a:ext cx="280705" cy="123111"/>
+          </a:xfrm>
+          <a:prstGeom prst="rect">
+            <a:avLst/>
+          </a:prstGeom>
+          <a:solidFill>
+            <a:schemeClr val="accent1"/>
+          </a:solidFill>
+          <a:ln w="0"/>
+        </p:spPr>
+        <p:style>
+          <a:lnRef idx="2">
+            <a:schemeClr val="accent1">
+              <a:shade val="50000"/>
+            </a:schemeClr>
+          </a:lnRef>
+          <a:fillRef idx="1">
+            <a:schemeClr val="accent1"/>
+          </a:fillRef>
+          <a:effectRef idx="0">
+            <a:schemeClr val="accent1"/>
+          </a:effectRef>
+          <a:fontRef idx="minor">
+            <a:schemeClr val="lt1"/>
+          </a:fontRef>
+        </p:style>
+        <p:txBody>
+          <a:bodyPr rtlCol="0" anchor="ctr"/>
+          <a:lstStyle/>
+          <a:p>
+            <a:pPr marL="0" algn="ctr" defTabSz="457200" rtl="0" eaLnBrk="1" latinLnBrk="0" hangingPunct="1"/>
+            <a:endParaRPr lang="en-IL" dirty="0"/>
+          </a:p>
+        </p:txBody>
+      </p:sp>
+      <p:sp>
+        <p:nvSpPr>
+          <p:cNvPr id="11" name="static_box_top">
+            <a:extLst>
+              <a:ext uri="{FF2B5EF4-FFF2-40B4-BE49-F238E27FC236}">
+                <a16:creationId xmlns:a16="http://schemas.microsoft.com/office/drawing/2014/main" id="{3CBFF075-9909-7C4E-BA60-EC74CE4A8B9F}"/>
+              </a:ext>
+            </a:extLst>
+          </p:cNvPr>
+          <p:cNvSpPr/>
+          <p:nvPr userDrawn="1"/>
+        </p:nvSpPr>
+        <p:spPr>
+          <a:xfrm>
+            <a:off x="3455988" y="428625"/>
+            <a:ext cx="3132138" cy="45719"/>
+          </a:xfrm>
+          <a:prstGeom prst="rect">
+            <a:avLst/>
+          </a:prstGeom>
+          <a:solidFill>
+            <a:schemeClr val="accent5"/>
+          </a:solidFill>
+          <a:ln w="0" cap="flat" cmpd="tri">
+            <a:prstDash val="solid"/>
+            <a:miter lim="800000"/>
+          </a:ln>
+        </p:spPr>
+        <p:style>
+          <a:lnRef idx="2">
+            <a:schemeClr val="accent5">
+              <a:shade val="50000"/>
+            </a:schemeClr>
+          </a:lnRef>
+          <a:fillRef idx="1">
+            <a:schemeClr val="accent5"/>
+          </a:fillRef>
+          <a:effectRef idx="0">
+            <a:schemeClr val="accent5"/>
+          </a:effectRef>
+          <a:fontRef idx="minor">
+            <a:schemeClr val="lt1"/>
+          </a:fontRef>
+        </p:style>
+        <p:txBody>
+          <a:bodyPr rtlCol="0" anchor="ctr"/>
+          <a:lstStyle/>
+          <a:p>
+            <a:pPr algn="ctr"/>
+            <a:endParaRPr lang="en-IL" dirty="0"/>
+          </a:p>
+        </p:txBody>
+      </p:sp>
+      <p:sp>
+        <p:nvSpPr>
+          <p:cNvPr id="10" name="page_number">
+            <a:extLst>
+              <a:ext uri="{FF2B5EF4-FFF2-40B4-BE49-F238E27FC236}">
+                <a16:creationId xmlns:a16="http://schemas.microsoft.com/office/drawing/2014/main" id="{5804BB10-C653-B54B-8392-330391724E37}"/>
+              </a:ext>
+            </a:extLst>
+          </p:cNvPr>
+          <p:cNvSpPr>
+            <a:spLocks noGrp="1"/>
+          </p:cNvSpPr>
+          <p:nvPr>
+            <p:ph type="body" sz="quarter" idx="11" hasCustomPrompt="1"/>
+          </p:nvPr>
+        </p:nvSpPr>
+        <p:spPr>
+          <a:xfrm>
+            <a:off x="-1" y="4657996"/>
+            <a:ext cx="280705" cy="123111"/>
+          </a:xfrm>
+        </p:spPr>
+        <p:txBody>
+          <a:bodyPr lIns="0" tIns="0" rIns="0" bIns="0" anchor="ctr">
+            <a:normAutofit/>
+          </a:bodyPr>
+          <a:lstStyle>
+            <a:lvl1pPr marL="0" indent="0" algn="ctr">
+              <a:buNone/>
+              <a:defRPr sz="600" b="1">
+                <a:solidFill>
+                  <a:schemeClr val="bg1"/>
+                </a:solidFill>
+              </a:defRPr>
+            </a:lvl1pPr>
+          </a:lstStyle>
+          <a:p>
+            <a:pPr lvl="0"/>
+            <a:r>
+              <a:rPr lang="en-US" dirty="0" err="1"/>
+              <a:t>p_n</a:t>
+            </a:r>
+            <a:endParaRPr lang="en-IL" dirty="0"/>
+          </a:p>
+        </p:txBody>
+      </p:sp>
+      <p:sp>
+        <p:nvSpPr>
+          <p:cNvPr id="13" name="analysis_number">
+            <a:extLst>
+              <a:ext uri="{FF2B5EF4-FFF2-40B4-BE49-F238E27FC236}">
+                <a16:creationId xmlns:a16="http://schemas.microsoft.com/office/drawing/2014/main" id="{196AF0B3-D0A9-5E4E-BE97-6D217790F8CA}"/>
+              </a:ext>
+            </a:extLst>
+          </p:cNvPr>
+          <p:cNvSpPr>
+            <a:spLocks noGrp="1"/>
+          </p:cNvSpPr>
+          <p:nvPr>
+            <p:ph type="body" sz="quarter" idx="12" hasCustomPrompt="1"/>
+          </p:nvPr>
+        </p:nvSpPr>
+        <p:spPr>
+          <a:xfrm>
+            <a:off x="5930900" y="179388"/>
+            <a:ext cx="657225" cy="230187"/>
+          </a:xfrm>
+        </p:spPr>
+        <p:txBody>
+          <a:bodyPr lIns="0" tIns="0" rIns="0" bIns="0" anchor="ctr"/>
+          <a:lstStyle>
+            <a:lvl1pPr marL="0" indent="0" algn="r">
+              <a:buNone/>
+              <a:defRPr b="1">
+                <a:solidFill>
+                  <a:schemeClr val="accent1">
+                    <a:lumMod val="60000"/>
+                    <a:lumOff val="40000"/>
+                  </a:schemeClr>
+                </a:solidFill>
+                <a:latin typeface="Arial" panose="020B0604020202020204" pitchFamily="34" charset="0"/>
+                <a:cs typeface="Arial" panose="020B0604020202020204" pitchFamily="34" charset="0"/>
+              </a:defRPr>
+            </a:lvl1pPr>
+          </a:lstStyle>
+          <a:p>
+            <a:pPr lvl="0"/>
+            <a:r>
+              <a:rPr lang="en-IL" dirty="0"/>
+              <a:t>a_n</a:t>
+            </a:r>
+          </a:p>
+        </p:txBody>
+      </p:sp>
+      <p:sp>
+        <p:nvSpPr>
+          <p:cNvPr id="24" name="title_text">
+            <a:extLst>
+              <a:ext uri="{FF2B5EF4-FFF2-40B4-BE49-F238E27FC236}">
+                <a16:creationId xmlns:a16="http://schemas.microsoft.com/office/drawing/2014/main" id="{B119C92A-366C-B44A-8FD7-913B276D5629}"/>
+              </a:ext>
+            </a:extLst>
+          </p:cNvPr>
+          <p:cNvSpPr>
+            <a:spLocks noGrp="1"/>
+          </p:cNvSpPr>
+          <p:nvPr>
+            <p:ph type="body" sz="quarter" idx="13" hasCustomPrompt="1"/>
+          </p:nvPr>
+        </p:nvSpPr>
+        <p:spPr>
+          <a:xfrm>
+            <a:off x="3455988" y="520710"/>
+            <a:ext cx="3132137" cy="414191"/>
+          </a:xfrm>
+        </p:spPr>
+        <p:txBody>
+          <a:bodyPr lIns="0" tIns="0" rIns="0" bIns="0" anchor="t">
+            <a:noAutofit/>
+          </a:bodyPr>
+          <a:lstStyle>
+            <a:lvl1pPr marL="0" indent="0" algn="r" rtl="1">
+              <a:buFontTx/>
+              <a:buNone/>
+              <a:defRPr sz="1600" b="1">
+                <a:latin typeface="Arial" panose="020B0604020202020204" pitchFamily="34" charset="0"/>
+                <a:cs typeface="Arial" panose="020B0604020202020204" pitchFamily="34" charset="0"/>
+              </a:defRPr>
+            </a:lvl1pPr>
+            <a:lvl2pPr marL="321640" indent="0">
+              <a:buNone/>
+              <a:defRPr/>
+            </a:lvl2pPr>
+          </a:lstStyle>
+          <a:p>
+            <a:pPr lvl="0"/>
+            <a:r>
+              <a:rPr lang="en-US" dirty="0"/>
+              <a:t>title</a:t>
+            </a:r>
+          </a:p>
+        </p:txBody>
+      </p:sp>
+      <p:sp>
+        <p:nvSpPr>
+          <p:cNvPr id="26" name="main_text">
+            <a:extLst>
+              <a:ext uri="{FF2B5EF4-FFF2-40B4-BE49-F238E27FC236}">
+                <a16:creationId xmlns:a16="http://schemas.microsoft.com/office/drawing/2014/main" id="{5D2B8F72-D20C-8647-A734-B4C5BC8FC7E0}"/>
+              </a:ext>
+            </a:extLst>
+          </p:cNvPr>
+          <p:cNvSpPr>
+            <a:spLocks noGrp="1"/>
+          </p:cNvSpPr>
+          <p:nvPr>
+            <p:ph type="body" sz="quarter" idx="14" hasCustomPrompt="1"/>
+          </p:nvPr>
+        </p:nvSpPr>
+        <p:spPr>
+          <a:xfrm>
+            <a:off x="3455988" y="1018783"/>
+            <a:ext cx="3123787" cy="3594491"/>
+          </a:xfrm>
+        </p:spPr>
+        <p:txBody>
+          <a:bodyPr lIns="0" tIns="0" rIns="0" bIns="0"/>
+          <a:lstStyle>
+            <a:lvl1pPr marL="0" indent="0" algn="r" rtl="1">
+              <a:buNone/>
+              <a:defRPr sz="900">
+                <a:latin typeface="Arial" panose="020B0604020202020204" pitchFamily="34" charset="0"/>
+                <a:cs typeface="Arial" panose="020B0604020202020204" pitchFamily="34" charset="0"/>
+              </a:defRPr>
+            </a:lvl1pPr>
+            <a:lvl2pPr marL="321640" indent="0">
+              <a:buNone/>
+              <a:defRPr/>
+            </a:lvl2pPr>
+            <a:lvl3pPr marL="643281" indent="0">
+              <a:buNone/>
+              <a:defRPr/>
+            </a:lvl3pPr>
+            <a:lvl4pPr marL="964921" indent="0">
+              <a:buNone/>
+              <a:defRPr/>
+            </a:lvl4pPr>
+            <a:lvl5pPr marL="1286561" indent="0">
+              <a:buNone/>
+              <a:defRPr/>
+            </a:lvl5pPr>
+          </a:lstStyle>
+          <a:p>
+            <a:pPr lvl="0"/>
+            <a:r>
+              <a:rPr lang="en-US" dirty="0"/>
+              <a:t>text</a:t>
+            </a:r>
+          </a:p>
+          <a:p>
+            <a:pPr lvl="1"/>
+            <a:endParaRPr lang="en-IL" dirty="0"/>
+          </a:p>
+        </p:txBody>
+      </p:sp>
+      <p:sp>
+        <p:nvSpPr>
+          <p:cNvPr id="6" name="plot_place">
+            <a:extLst>
+              <a:ext uri="{FF2B5EF4-FFF2-40B4-BE49-F238E27FC236}">
+                <a16:creationId xmlns:a16="http://schemas.microsoft.com/office/drawing/2014/main" id="{9D0ACA94-4CC0-764D-88FE-C5039A0E303C}"/>
+              </a:ext>
+            </a:extLst>
+          </p:cNvPr>
+          <p:cNvSpPr>
+            <a:spLocks noGrp="1"/>
+          </p:cNvSpPr>
+          <p:nvPr>
+            <p:ph type="pic" sz="quarter" idx="15"/>
+          </p:nvPr>
+        </p:nvSpPr>
+        <p:spPr>
+          <a:xfrm>
+            <a:off x="252413" y="520700"/>
+            <a:ext cx="3132137" cy="4092575"/>
+          </a:xfrm>
+        </p:spPr>
+        <p:txBody>
+          <a:bodyPr/>
+          <a:lstStyle/>
+          <a:p>
+            <a:pPr marL="160820" indent="-160820" algn="r" defTabSz="643280" rtl="1" eaLnBrk="1" latinLnBrk="0" hangingPunct="1">
+              <a:lnSpc>
+                <a:spcPct val="90000"/>
+              </a:lnSpc>
+              <a:spcBef>
+                <a:spcPts val="704"/>
+              </a:spcBef>
+              <a:buFont typeface="Arial" panose="020B0604020202020204" pitchFamily="34" charset="0"/>
+              <a:buChar char="•"/>
+            </a:pPr>
+            <a:endParaRPr lang="en-IL"/>
+          </a:p>
+        </p:txBody>
+      </p:sp>
+    </p:spTree>
+    <p:extLst>
+      <p:ext uri="{BB962C8B-B14F-4D97-AF65-F5344CB8AC3E}">
+        <p14:creationId xmlns:p14="http://schemas.microsoft.com/office/powerpoint/2010/main" val="2019233048"/>
+      </p:ext>
+    </p:extLst>
+  </p:cSld>
+  <p:clrMapOvr>
+    <a:masterClrMapping/>
+  </p:clrMapOvr>
+  <p:extLst>
+    <p:ext uri="{DCECCB84-F9BA-43D5-87BE-67443E8EF086}">
+      <p15:sldGuideLst xmlns:p15="http://schemas.microsoft.com/office/powerpoint/2012/main">
+        <p15:guide id="1" pos="159" userDrawn="1">
+          <p15:clr>
+            <a:srgbClr val="FBAE40"/>
+          </p15:clr>
+        </p15:guide>
+        <p15:guide id="2" orient="horz" pos="1520" userDrawn="1">
+          <p15:clr>
+            <a:srgbClr val="FBAE40"/>
+          </p15:clr>
+        </p15:guide>
+        <p15:guide id="3" orient="horz" pos="23" userDrawn="1">
+          <p15:clr>
+            <a:srgbClr val="000000"/>
+          </p15:clr>
+        </p15:guide>
+        <p15:guide id="4" orient="horz" pos="3016" userDrawn="1">
+          <p15:clr>
+            <a:srgbClr val="000000"/>
+          </p15:clr>
+        </p15:guide>
+        <p15:guide id="5" pos="23" userDrawn="1">
+          <p15:clr>
+            <a:srgbClr val="000000"/>
+          </p15:clr>
+        </p15:guide>
+        <p15:guide id="6" pos="4286" userDrawn="1">
+          <p15:clr>
+            <a:srgbClr val="000000"/>
+          </p15:clr>
+        </p15:guide>
+        <p15:guide id="7" pos="2132" userDrawn="1">
+          <p15:clr>
+            <a:srgbClr val="000000"/>
+          </p15:clr>
+        </p15:guide>
+        <p15:guide id="8" pos="2177" userDrawn="1">
+          <p15:clr>
+            <a:srgbClr val="000000"/>
+          </p15:clr>
+        </p15:guide>
+        <p15:guide id="9" orient="horz" pos="2926" userDrawn="1">
+          <p15:clr>
+            <a:srgbClr val="FBAE40"/>
+          </p15:clr>
+        </p15:guide>
+        <p15:guide id="10" orient="horz" pos="113" userDrawn="1">
+          <p15:clr>
+            <a:srgbClr val="FBAE40"/>
+          </p15:clr>
+        </p15:guide>
+        <p15:guide id="12" pos="4150" userDrawn="1">
+          <p15:clr>
+            <a:srgbClr val="FBAE40"/>
+          </p15:clr>
+        </p15:guide>
+        <p15:guide id="13" pos="2154" userDrawn="1">
+          <p15:clr>
+            <a:srgbClr val="FBAE40"/>
+          </p15:clr>
+        </p15:guide>
+        <p15:guide id="14" pos="975" userDrawn="1">
+          <p15:clr>
+            <a:srgbClr val="FBAE40"/>
+          </p15:clr>
+        </p15:guide>
+      </p15:sldGuideLst>
+    </p:ext>
+  </p:extLst>
+</p:sldLayout>
+</file>
+
+<file path=ppt/slideLayouts/slideLayout5.xml><?xml version="1.0" encoding="utf-8"?>
+<p:sldLayout xmlns:a="http://schemas.openxmlformats.org/drawingml/2006/main" xmlns:r="http://schemas.openxmlformats.org/officeDocument/2006/relationships" xmlns:p="http://schemas.openxmlformats.org/presentationml/2006/main" preserve="1" userDrawn="1">
+  <p:cSld name="p_75">
+    <p:bg>
+      <p:bgPr>
+        <a:solidFill>
+          <a:schemeClr val="bg1"/>
+        </a:solidFill>
+        <a:effectLst/>
+      </p:bgPr>
+    </p:bg>
+    <p:spTree>
+      <p:nvGrpSpPr>
+        <p:cNvPr id="1" name=""/>
+        <p:cNvGrpSpPr/>
+        <p:nvPr/>
+      </p:nvGrpSpPr>
+      <p:grpSpPr>
+        <a:xfrm>
+          <a:off x="0" y="0"/>
+          <a:ext cx="0" cy="0"/>
+          <a:chOff x="0" y="0"/>
+          <a:chExt cx="0" cy="0"/>
+        </a:xfrm>
+      </p:grpSpPr>
+      <p:cxnSp>
+        <p:nvCxnSpPr>
+          <p:cNvPr id="16" name="static_line">
+            <a:extLst>
+              <a:ext uri="{FF2B5EF4-FFF2-40B4-BE49-F238E27FC236}">
+                <a16:creationId xmlns:a16="http://schemas.microsoft.com/office/drawing/2014/main" id="{2016B5E9-5CA4-9A47-9918-2F3A07F9774B}"/>
+              </a:ext>
+            </a:extLst>
+          </p:cNvPr>
+          <p:cNvCxnSpPr>
+            <a:cxnSpLocks/>
+          </p:cNvCxnSpPr>
+          <p:nvPr userDrawn="1"/>
+        </p:nvCxnSpPr>
+        <p:spPr>
+          <a:xfrm flipH="1">
+            <a:off x="4517721" y="1260512"/>
+            <a:ext cx="2070405" cy="0"/>
+          </a:xfrm>
+          <a:prstGeom prst="line">
+            <a:avLst/>
+          </a:prstGeom>
+          <a:ln w="15875">
+            <a:solidFill>
+              <a:schemeClr val="accent1">
+                <a:lumMod val="60000"/>
+                <a:lumOff val="40000"/>
+              </a:schemeClr>
+            </a:solidFill>
+          </a:ln>
+        </p:spPr>
+        <p:style>
+          <a:lnRef idx="1">
+            <a:schemeClr val="accent1"/>
+          </a:lnRef>
+          <a:fillRef idx="0">
+            <a:schemeClr val="accent1"/>
+          </a:fillRef>
+          <a:effectRef idx="0">
+            <a:schemeClr val="accent1"/>
+          </a:effectRef>
+          <a:fontRef idx="minor">
+            <a:schemeClr val="tx1"/>
+          </a:fontRef>
+        </p:style>
+      </p:cxnSp>
+      <p:sp>
+        <p:nvSpPr>
+          <p:cNvPr id="2" name="static_text">
+            <a:extLst>
+              <a:ext uri="{FF2B5EF4-FFF2-40B4-BE49-F238E27FC236}">
+                <a16:creationId xmlns:a16="http://schemas.microsoft.com/office/drawing/2014/main" id="{A5DE7A3C-5DF0-8540-812E-06AB52B41FB7}"/>
+              </a:ext>
+            </a:extLst>
+          </p:cNvPr>
+          <p:cNvSpPr txBox="1"/>
+          <p:nvPr userDrawn="1"/>
+        </p:nvSpPr>
+        <p:spPr>
+          <a:xfrm>
+            <a:off x="306908" y="4673385"/>
+            <a:ext cx="1255675" cy="107722"/>
+          </a:xfrm>
+          <a:prstGeom prst="rect">
+            <a:avLst/>
+          </a:prstGeom>
+          <a:noFill/>
+        </p:spPr>
+        <p:txBody>
+          <a:bodyPr wrap="square" lIns="0" tIns="0" rIns="0" bIns="0" rtlCol="0" anchor="t">
+            <a:spAutoFit/>
+          </a:bodyPr>
+          <a:lstStyle/>
+          <a:p>
+            <a:pPr algn="ctr"/>
+            <a:r>
+              <a:rPr lang="he-IL" sz="700" dirty="0"/>
+              <a:t>פרק 4 מערכת הבריאות הממשלתית</a:t>
+            </a:r>
+            <a:endParaRPr lang="en-IL" sz="700" dirty="0"/>
+          </a:p>
+        </p:txBody>
+      </p:sp>
+      <p:sp>
+        <p:nvSpPr>
+          <p:cNvPr id="3" name="static_box_page_number">
+            <a:extLst>
+              <a:ext uri="{FF2B5EF4-FFF2-40B4-BE49-F238E27FC236}">
+                <a16:creationId xmlns:a16="http://schemas.microsoft.com/office/drawing/2014/main" id="{E9A34914-2E95-3844-BE6E-43DCE8D48D28}"/>
+              </a:ext>
+            </a:extLst>
+          </p:cNvPr>
+          <p:cNvSpPr/>
+          <p:nvPr userDrawn="1"/>
+        </p:nvSpPr>
+        <p:spPr>
+          <a:xfrm>
+            <a:off x="0" y="4662525"/>
+            <a:ext cx="280705" cy="123111"/>
+          </a:xfrm>
+          <a:prstGeom prst="rect">
+            <a:avLst/>
+          </a:prstGeom>
+          <a:solidFill>
+            <a:schemeClr val="accent1"/>
+          </a:solidFill>
+          <a:ln w="0"/>
+        </p:spPr>
+        <p:style>
+          <a:lnRef idx="2">
+            <a:schemeClr val="accent1">
+              <a:shade val="50000"/>
+            </a:schemeClr>
+          </a:lnRef>
+          <a:fillRef idx="1">
+            <a:schemeClr val="accent1"/>
+          </a:fillRef>
+          <a:effectRef idx="0">
+            <a:schemeClr val="accent1"/>
+          </a:effectRef>
+          <a:fontRef idx="minor">
+            <a:schemeClr val="lt1"/>
+          </a:fontRef>
+        </p:style>
+        <p:txBody>
+          <a:bodyPr rtlCol="0" anchor="ctr"/>
+          <a:lstStyle/>
+          <a:p>
+            <a:pPr marL="0" algn="ctr" defTabSz="457200" rtl="0" eaLnBrk="1" latinLnBrk="0" hangingPunct="1"/>
+            <a:endParaRPr lang="en-IL" dirty="0"/>
+          </a:p>
+        </p:txBody>
+      </p:sp>
+      <p:sp>
+        <p:nvSpPr>
+          <p:cNvPr id="11" name="static_box_top">
+            <a:extLst>
+              <a:ext uri="{FF2B5EF4-FFF2-40B4-BE49-F238E27FC236}">
+                <a16:creationId xmlns:a16="http://schemas.microsoft.com/office/drawing/2014/main" id="{3CBFF075-9909-7C4E-BA60-EC74CE4A8B9F}"/>
+              </a:ext>
+            </a:extLst>
+          </p:cNvPr>
+          <p:cNvSpPr/>
+          <p:nvPr userDrawn="1"/>
+        </p:nvSpPr>
+        <p:spPr>
+          <a:xfrm>
+            <a:off x="4517720" y="436975"/>
+            <a:ext cx="2070406" cy="45719"/>
+          </a:xfrm>
+          <a:prstGeom prst="rect">
+            <a:avLst/>
+          </a:prstGeom>
+          <a:solidFill>
+            <a:schemeClr val="accent5"/>
+          </a:solidFill>
+          <a:ln w="0" cap="flat" cmpd="tri">
+            <a:prstDash val="solid"/>
+            <a:miter lim="800000"/>
+          </a:ln>
+        </p:spPr>
+        <p:style>
+          <a:lnRef idx="2">
+            <a:schemeClr val="accent5">
+              <a:shade val="50000"/>
+            </a:schemeClr>
+          </a:lnRef>
+          <a:fillRef idx="1">
+            <a:schemeClr val="accent5"/>
+          </a:fillRef>
+          <a:effectRef idx="0">
+            <a:schemeClr val="accent5"/>
+          </a:effectRef>
+          <a:fontRef idx="minor">
+            <a:schemeClr val="lt1"/>
+          </a:fontRef>
+        </p:style>
+        <p:txBody>
+          <a:bodyPr rtlCol="0" anchor="ctr"/>
+          <a:lstStyle/>
+          <a:p>
+            <a:pPr algn="ctr"/>
+            <a:endParaRPr lang="en-IL" dirty="0"/>
+          </a:p>
+        </p:txBody>
+      </p:sp>
+      <p:sp>
+        <p:nvSpPr>
+          <p:cNvPr id="10" name="page_number">
+            <a:extLst>
+              <a:ext uri="{FF2B5EF4-FFF2-40B4-BE49-F238E27FC236}">
+                <a16:creationId xmlns:a16="http://schemas.microsoft.com/office/drawing/2014/main" id="{5804BB10-C653-B54B-8392-330391724E37}"/>
+              </a:ext>
+            </a:extLst>
+          </p:cNvPr>
+          <p:cNvSpPr>
+            <a:spLocks noGrp="1"/>
+          </p:cNvSpPr>
+          <p:nvPr>
+            <p:ph type="body" sz="quarter" idx="11" hasCustomPrompt="1"/>
+          </p:nvPr>
+        </p:nvSpPr>
+        <p:spPr>
+          <a:xfrm>
+            <a:off x="-1" y="4657996"/>
+            <a:ext cx="280705" cy="123111"/>
+          </a:xfrm>
+        </p:spPr>
+        <p:txBody>
+          <a:bodyPr lIns="0" tIns="0" rIns="0" bIns="0" anchor="ctr">
+            <a:normAutofit/>
+          </a:bodyPr>
+          <a:lstStyle>
+            <a:lvl1pPr marL="0" indent="0" algn="ctr">
+              <a:buNone/>
+              <a:defRPr sz="600" b="1">
+                <a:solidFill>
+                  <a:schemeClr val="bg1"/>
+                </a:solidFill>
+              </a:defRPr>
+            </a:lvl1pPr>
+          </a:lstStyle>
+          <a:p>
+            <a:pPr lvl="0"/>
+            <a:r>
+              <a:rPr lang="en-US" dirty="0" err="1"/>
+              <a:t>p_n</a:t>
+            </a:r>
+            <a:endParaRPr lang="en-IL" dirty="0"/>
+          </a:p>
+        </p:txBody>
+      </p:sp>
+      <p:sp>
+        <p:nvSpPr>
+          <p:cNvPr id="13" name="analysis_number">
+            <a:extLst>
+              <a:ext uri="{FF2B5EF4-FFF2-40B4-BE49-F238E27FC236}">
+                <a16:creationId xmlns:a16="http://schemas.microsoft.com/office/drawing/2014/main" id="{196AF0B3-D0A9-5E4E-BE97-6D217790F8CA}"/>
+              </a:ext>
+            </a:extLst>
+          </p:cNvPr>
+          <p:cNvSpPr>
+            <a:spLocks noGrp="1"/>
+          </p:cNvSpPr>
+          <p:nvPr>
+            <p:ph type="body" sz="quarter" idx="12" hasCustomPrompt="1"/>
+          </p:nvPr>
+        </p:nvSpPr>
+        <p:spPr>
+          <a:xfrm>
+            <a:off x="5930900" y="179388"/>
+            <a:ext cx="657225" cy="230187"/>
+          </a:xfrm>
+        </p:spPr>
+        <p:txBody>
+          <a:bodyPr lIns="0" tIns="0" rIns="0" bIns="0" anchor="ctr"/>
+          <a:lstStyle>
+            <a:lvl1pPr marL="0" indent="0" algn="r">
+              <a:buNone/>
+              <a:defRPr b="1">
+                <a:solidFill>
+                  <a:schemeClr val="accent1">
+                    <a:lumMod val="60000"/>
+                    <a:lumOff val="40000"/>
+                  </a:schemeClr>
+                </a:solidFill>
+                <a:latin typeface="Arial" panose="020B0604020202020204" pitchFamily="34" charset="0"/>
+                <a:cs typeface="Arial" panose="020B0604020202020204" pitchFamily="34" charset="0"/>
+              </a:defRPr>
+            </a:lvl1pPr>
+          </a:lstStyle>
+          <a:p>
+            <a:pPr lvl="0"/>
+            <a:r>
+              <a:rPr lang="en-IL" dirty="0"/>
+              <a:t>a_n</a:t>
+            </a:r>
+          </a:p>
+        </p:txBody>
+      </p:sp>
+      <p:sp>
+        <p:nvSpPr>
+          <p:cNvPr id="24" name="title_text">
+            <a:extLst>
+              <a:ext uri="{FF2B5EF4-FFF2-40B4-BE49-F238E27FC236}">
+                <a16:creationId xmlns:a16="http://schemas.microsoft.com/office/drawing/2014/main" id="{B119C92A-366C-B44A-8FD7-913B276D5629}"/>
+              </a:ext>
+            </a:extLst>
+          </p:cNvPr>
+          <p:cNvSpPr>
+            <a:spLocks noGrp="1"/>
+          </p:cNvSpPr>
+          <p:nvPr>
+            <p:ph type="body" sz="quarter" idx="13" hasCustomPrompt="1"/>
+          </p:nvPr>
+        </p:nvSpPr>
+        <p:spPr>
+          <a:xfrm>
+            <a:off x="4517720" y="520710"/>
+            <a:ext cx="2070405" cy="697603"/>
+          </a:xfrm>
+        </p:spPr>
+        <p:txBody>
+          <a:bodyPr lIns="0" tIns="0" rIns="0" bIns="0" anchor="t">
+            <a:noAutofit/>
+          </a:bodyPr>
+          <a:lstStyle>
+            <a:lvl1pPr marL="0" indent="0" algn="r" rtl="1">
+              <a:buFontTx/>
+              <a:buNone/>
+              <a:defRPr sz="1600" b="1">
+                <a:latin typeface="Arial" panose="020B0604020202020204" pitchFamily="34" charset="0"/>
+                <a:cs typeface="Arial" panose="020B0604020202020204" pitchFamily="34" charset="0"/>
+              </a:defRPr>
+            </a:lvl1pPr>
+            <a:lvl2pPr marL="321640" indent="0">
+              <a:buNone/>
+              <a:defRPr/>
+            </a:lvl2pPr>
+          </a:lstStyle>
+          <a:p>
+            <a:pPr lvl="0"/>
+            <a:r>
+              <a:rPr lang="en-US" dirty="0"/>
+              <a:t>title</a:t>
+            </a:r>
+          </a:p>
+        </p:txBody>
+      </p:sp>
+      <p:sp>
+        <p:nvSpPr>
+          <p:cNvPr id="26" name="main_text">
+            <a:extLst>
+              <a:ext uri="{FF2B5EF4-FFF2-40B4-BE49-F238E27FC236}">
+                <a16:creationId xmlns:a16="http://schemas.microsoft.com/office/drawing/2014/main" id="{5D2B8F72-D20C-8647-A734-B4C5BC8FC7E0}"/>
+              </a:ext>
+            </a:extLst>
+          </p:cNvPr>
+          <p:cNvSpPr>
+            <a:spLocks noGrp="1"/>
+          </p:cNvSpPr>
+          <p:nvPr>
+            <p:ph type="body" sz="quarter" idx="14" hasCustomPrompt="1"/>
+          </p:nvPr>
+        </p:nvSpPr>
+        <p:spPr>
+          <a:xfrm>
+            <a:off x="4517721" y="1302711"/>
+            <a:ext cx="2062054" cy="3310563"/>
+          </a:xfrm>
+        </p:spPr>
+        <p:txBody>
+          <a:bodyPr lIns="0" tIns="0" rIns="0" bIns="0"/>
+          <a:lstStyle>
+            <a:lvl1pPr marL="0" indent="0" algn="r" rtl="1">
+              <a:buNone/>
+              <a:defRPr sz="900">
+                <a:latin typeface="Arial" panose="020B0604020202020204" pitchFamily="34" charset="0"/>
+                <a:cs typeface="Arial" panose="020B0604020202020204" pitchFamily="34" charset="0"/>
+              </a:defRPr>
+            </a:lvl1pPr>
+            <a:lvl2pPr marL="321640" indent="0">
+              <a:buNone/>
+              <a:defRPr/>
+            </a:lvl2pPr>
+            <a:lvl3pPr marL="643281" indent="0">
+              <a:buNone/>
+              <a:defRPr/>
+            </a:lvl3pPr>
+            <a:lvl4pPr marL="964921" indent="0">
+              <a:buNone/>
+              <a:defRPr/>
+            </a:lvl4pPr>
+            <a:lvl5pPr marL="1286561" indent="0">
+              <a:buNone/>
+              <a:defRPr/>
+            </a:lvl5pPr>
+          </a:lstStyle>
+          <a:p>
+            <a:pPr lvl="0"/>
+            <a:r>
+              <a:rPr lang="en-US" dirty="0"/>
+              <a:t>text</a:t>
+            </a:r>
+          </a:p>
+          <a:p>
+            <a:pPr lvl="1"/>
+            <a:endParaRPr lang="en-IL" dirty="0"/>
+          </a:p>
+        </p:txBody>
+      </p:sp>
+      <p:sp>
+        <p:nvSpPr>
+          <p:cNvPr id="6" name="plot_place">
+            <a:extLst>
+              <a:ext uri="{FF2B5EF4-FFF2-40B4-BE49-F238E27FC236}">
+                <a16:creationId xmlns:a16="http://schemas.microsoft.com/office/drawing/2014/main" id="{9D0ACA94-4CC0-764D-88FE-C5039A0E303C}"/>
+              </a:ext>
+            </a:extLst>
+          </p:cNvPr>
+          <p:cNvSpPr>
+            <a:spLocks noGrp="1"/>
+          </p:cNvSpPr>
+          <p:nvPr>
+            <p:ph type="pic" sz="quarter" idx="15"/>
+          </p:nvPr>
+        </p:nvSpPr>
+        <p:spPr>
+          <a:xfrm>
+            <a:off x="252413" y="520700"/>
+            <a:ext cx="4206853" cy="4092575"/>
+          </a:xfrm>
+        </p:spPr>
+        <p:txBody>
+          <a:bodyPr lIns="0" tIns="0" rIns="0" bIns="0"/>
+          <a:lstStyle/>
+          <a:p>
+            <a:pPr marL="160820" indent="-160820" algn="l" defTabSz="643280" rtl="0" eaLnBrk="1" latinLnBrk="0" hangingPunct="1">
+              <a:lnSpc>
+                <a:spcPct val="90000"/>
+              </a:lnSpc>
+              <a:spcBef>
+                <a:spcPts val="704"/>
+              </a:spcBef>
+              <a:buFont typeface="Arial" panose="020B0604020202020204" pitchFamily="34" charset="0"/>
+              <a:buChar char="•"/>
+            </a:pPr>
+            <a:endParaRPr lang="en-IL" dirty="0"/>
+          </a:p>
+        </p:txBody>
+      </p:sp>
+    </p:spTree>
+    <p:extLst>
+      <p:ext uri="{BB962C8B-B14F-4D97-AF65-F5344CB8AC3E}">
+        <p14:creationId xmlns:p14="http://schemas.microsoft.com/office/powerpoint/2010/main" val="3233649624"/>
+      </p:ext>
+    </p:extLst>
+  </p:cSld>
+  <p:clrMapOvr>
+    <a:masterClrMapping/>
+  </p:clrMapOvr>
+  <p:extLst>
+    <p:ext uri="{DCECCB84-F9BA-43D5-87BE-67443E8EF086}">
+      <p15:sldGuideLst xmlns:p15="http://schemas.microsoft.com/office/powerpoint/2012/main">
+        <p15:guide id="1" pos="159" userDrawn="1">
+          <p15:clr>
+            <a:srgbClr val="FBAE40"/>
+          </p15:clr>
+        </p15:guide>
+        <p15:guide id="2" orient="horz" pos="1520" userDrawn="1">
+          <p15:clr>
+            <a:srgbClr val="FBAE40"/>
+          </p15:clr>
+        </p15:guide>
+        <p15:guide id="3" orient="horz" pos="23" userDrawn="1">
+          <p15:clr>
+            <a:srgbClr val="000000"/>
+          </p15:clr>
+        </p15:guide>
+        <p15:guide id="4" orient="horz" pos="3016" userDrawn="1">
+          <p15:clr>
+            <a:srgbClr val="000000"/>
+          </p15:clr>
+        </p15:guide>
+        <p15:guide id="5" pos="23" userDrawn="1">
+          <p15:clr>
+            <a:srgbClr val="000000"/>
+          </p15:clr>
+        </p15:guide>
+        <p15:guide id="6" pos="4286" userDrawn="1">
+          <p15:clr>
+            <a:srgbClr val="000000"/>
+          </p15:clr>
+        </p15:guide>
+        <p15:guide id="7" pos="2132" userDrawn="1">
+          <p15:clr>
+            <a:srgbClr val="000000"/>
+          </p15:clr>
+        </p15:guide>
+        <p15:guide id="8" pos="2177" userDrawn="1">
+          <p15:clr>
+            <a:srgbClr val="000000"/>
+          </p15:clr>
+        </p15:guide>
+        <p15:guide id="9" orient="horz" pos="2926" userDrawn="1">
+          <p15:clr>
+            <a:srgbClr val="FBAE40"/>
+          </p15:clr>
+        </p15:guide>
+        <p15:guide id="10" orient="horz" pos="113" userDrawn="1">
+          <p15:clr>
+            <a:srgbClr val="FBAE40"/>
+          </p15:clr>
+        </p15:guide>
+        <p15:guide id="12" pos="4150" userDrawn="1">
+          <p15:clr>
+            <a:srgbClr val="FBAE40"/>
+          </p15:clr>
+        </p15:guide>
+        <p15:guide id="13" pos="2154" userDrawn="1">
+          <p15:clr>
+            <a:srgbClr val="FBAE40"/>
+          </p15:clr>
+        </p15:guide>
+        <p15:guide id="14" pos="975" userDrawn="1">
+          <p15:clr>
+            <a:srgbClr val="FBAE40"/>
+          </p15:clr>
+        </p15:guide>
+      </p15:sldGuideLst>
+    </p:ext>
+  </p:extLst>
+</p:sldLayout>
+</file>
+
+<file path=ppt/slideLayouts/slideLayout6.xml><?xml version="1.0" encoding="utf-8"?>
+<p:sldLayout xmlns:a="http://schemas.openxmlformats.org/drawingml/2006/main" xmlns:r="http://schemas.openxmlformats.org/officeDocument/2006/relationships" xmlns:p="http://schemas.openxmlformats.org/presentationml/2006/main" preserve="1" userDrawn="1">
+  <p:cSld name="p_90">
+    <p:bg>
+      <p:bgPr>
+        <a:solidFill>
+          <a:schemeClr val="bg1"/>
+        </a:solidFill>
+        <a:effectLst/>
+      </p:bgPr>
+    </p:bg>
+    <p:spTree>
+      <p:nvGrpSpPr>
+        <p:cNvPr id="1" name=""/>
+        <p:cNvGrpSpPr/>
+        <p:nvPr/>
+      </p:nvGrpSpPr>
+      <p:grpSpPr>
+        <a:xfrm>
+          <a:off x="0" y="0"/>
+          <a:ext cx="0" cy="0"/>
+          <a:chOff x="0" y="0"/>
+          <a:chExt cx="0" cy="0"/>
+        </a:xfrm>
+      </p:grpSpPr>
+      <p:cxnSp>
+        <p:nvCxnSpPr>
+          <p:cNvPr id="16" name="static_line">
+            <a:extLst>
+              <a:ext uri="{FF2B5EF4-FFF2-40B4-BE49-F238E27FC236}">
+                <a16:creationId xmlns:a16="http://schemas.microsoft.com/office/drawing/2014/main" id="{2016B5E9-5CA4-9A47-9918-2F3A07F9774B}"/>
+              </a:ext>
+            </a:extLst>
+          </p:cNvPr>
+          <p:cNvCxnSpPr>
+            <a:cxnSpLocks/>
+          </p:cNvCxnSpPr>
+          <p:nvPr userDrawn="1"/>
+        </p:nvCxnSpPr>
+        <p:spPr>
+          <a:xfrm flipH="1">
+            <a:off x="431800" y="817932"/>
+            <a:ext cx="6156327" cy="0"/>
+          </a:xfrm>
+          <a:prstGeom prst="line">
+            <a:avLst/>
+          </a:prstGeom>
+          <a:ln w="15875">
+            <a:solidFill>
+              <a:schemeClr val="accent1">
+                <a:lumMod val="60000"/>
+                <a:lumOff val="40000"/>
+              </a:schemeClr>
+            </a:solidFill>
+          </a:ln>
+        </p:spPr>
+        <p:style>
+          <a:lnRef idx="1">
+            <a:schemeClr val="accent1"/>
+          </a:lnRef>
+          <a:fillRef idx="0">
+            <a:schemeClr val="accent1"/>
+          </a:fillRef>
+          <a:effectRef idx="0">
+            <a:schemeClr val="accent1"/>
+          </a:effectRef>
+          <a:fontRef idx="minor">
+            <a:schemeClr val="tx1"/>
+          </a:fontRef>
+        </p:style>
+      </p:cxnSp>
+      <p:sp>
+        <p:nvSpPr>
+          <p:cNvPr id="2" name="static_text">
+            <a:extLst>
+              <a:ext uri="{FF2B5EF4-FFF2-40B4-BE49-F238E27FC236}">
+                <a16:creationId xmlns:a16="http://schemas.microsoft.com/office/drawing/2014/main" id="{A5DE7A3C-5DF0-8540-812E-06AB52B41FB7}"/>
+              </a:ext>
+            </a:extLst>
+          </p:cNvPr>
+          <p:cNvSpPr txBox="1"/>
+          <p:nvPr userDrawn="1"/>
+        </p:nvSpPr>
+        <p:spPr>
+          <a:xfrm>
+            <a:off x="306908" y="4673385"/>
+            <a:ext cx="1255675" cy="107722"/>
+          </a:xfrm>
+          <a:prstGeom prst="rect">
+            <a:avLst/>
+          </a:prstGeom>
+          <a:noFill/>
+        </p:spPr>
+        <p:txBody>
+          <a:bodyPr wrap="square" lIns="0" tIns="0" rIns="0" bIns="0" rtlCol="0" anchor="t">
+            <a:spAutoFit/>
+          </a:bodyPr>
+          <a:lstStyle/>
+          <a:p>
+            <a:pPr algn="ctr"/>
+            <a:r>
+              <a:rPr lang="he-IL" sz="700" dirty="0"/>
+              <a:t>פרק 4 מערכת הבריאות הממשלתית</a:t>
+            </a:r>
+            <a:endParaRPr lang="en-IL" sz="700" dirty="0"/>
+          </a:p>
+        </p:txBody>
+      </p:sp>
+      <p:sp>
+        <p:nvSpPr>
+          <p:cNvPr id="3" name="static_box_page_number">
+            <a:extLst>
+              <a:ext uri="{FF2B5EF4-FFF2-40B4-BE49-F238E27FC236}">
+                <a16:creationId xmlns:a16="http://schemas.microsoft.com/office/drawing/2014/main" id="{E9A34914-2E95-3844-BE6E-43DCE8D48D28}"/>
+              </a:ext>
+            </a:extLst>
+          </p:cNvPr>
+          <p:cNvSpPr/>
+          <p:nvPr userDrawn="1"/>
+        </p:nvSpPr>
+        <p:spPr>
+          <a:xfrm>
+            <a:off x="0" y="4662525"/>
+            <a:ext cx="280705" cy="123111"/>
+          </a:xfrm>
+          <a:prstGeom prst="rect">
+            <a:avLst/>
+          </a:prstGeom>
+          <a:solidFill>
+            <a:schemeClr val="accent1"/>
+          </a:solidFill>
+          <a:ln w="0"/>
+        </p:spPr>
+        <p:style>
+          <a:lnRef idx="2">
+            <a:schemeClr val="accent1">
+              <a:shade val="50000"/>
+            </a:schemeClr>
+          </a:lnRef>
+          <a:fillRef idx="1">
+            <a:schemeClr val="accent1"/>
+          </a:fillRef>
+          <a:effectRef idx="0">
+            <a:schemeClr val="accent1"/>
+          </a:effectRef>
+          <a:fontRef idx="minor">
+            <a:schemeClr val="lt1"/>
+          </a:fontRef>
+        </p:style>
+        <p:txBody>
+          <a:bodyPr rtlCol="0" anchor="ctr"/>
+          <a:lstStyle/>
+          <a:p>
+            <a:pPr marL="0" algn="ctr" defTabSz="457200" rtl="0" eaLnBrk="1" latinLnBrk="0" hangingPunct="1"/>
+            <a:endParaRPr lang="en-IL" dirty="0"/>
+          </a:p>
+        </p:txBody>
+      </p:sp>
+      <p:sp>
+        <p:nvSpPr>
+          <p:cNvPr id="11" name="static_box_top">
+            <a:extLst>
+              <a:ext uri="{FF2B5EF4-FFF2-40B4-BE49-F238E27FC236}">
+                <a16:creationId xmlns:a16="http://schemas.microsoft.com/office/drawing/2014/main" id="{3CBFF075-9909-7C4E-BA60-EC74CE4A8B9F}"/>
+              </a:ext>
+            </a:extLst>
+          </p:cNvPr>
+          <p:cNvSpPr/>
+          <p:nvPr userDrawn="1"/>
+        </p:nvSpPr>
+        <p:spPr>
+          <a:xfrm>
+            <a:off x="431800" y="428625"/>
+            <a:ext cx="6156326" cy="45719"/>
+          </a:xfrm>
+          <a:prstGeom prst="rect">
+            <a:avLst/>
+          </a:prstGeom>
+          <a:solidFill>
+            <a:schemeClr val="accent5"/>
+          </a:solidFill>
+          <a:ln w="0" cap="flat" cmpd="tri">
+            <a:prstDash val="solid"/>
+            <a:miter lim="800000"/>
+          </a:ln>
+        </p:spPr>
+        <p:style>
+          <a:lnRef idx="2">
+            <a:schemeClr val="accent5">
+              <a:shade val="50000"/>
+            </a:schemeClr>
+          </a:lnRef>
+          <a:fillRef idx="1">
+            <a:schemeClr val="accent5"/>
+          </a:fillRef>
+          <a:effectRef idx="0">
+            <a:schemeClr val="accent5"/>
+          </a:effectRef>
+          <a:fontRef idx="minor">
+            <a:schemeClr val="lt1"/>
+          </a:fontRef>
+        </p:style>
+        <p:txBody>
+          <a:bodyPr rtlCol="0" anchor="ctr"/>
+          <a:lstStyle/>
+          <a:p>
+            <a:pPr marL="0" algn="ctr" defTabSz="457200" rtl="0" eaLnBrk="1" latinLnBrk="0" hangingPunct="1"/>
+            <a:endParaRPr lang="en-IL" dirty="0"/>
+          </a:p>
+        </p:txBody>
+      </p:sp>
+      <p:sp>
+        <p:nvSpPr>
+          <p:cNvPr id="10" name="page_number">
+            <a:extLst>
+              <a:ext uri="{FF2B5EF4-FFF2-40B4-BE49-F238E27FC236}">
+                <a16:creationId xmlns:a16="http://schemas.microsoft.com/office/drawing/2014/main" id="{5804BB10-C653-B54B-8392-330391724E37}"/>
+              </a:ext>
+            </a:extLst>
+          </p:cNvPr>
+          <p:cNvSpPr>
+            <a:spLocks noGrp="1"/>
+          </p:cNvSpPr>
+          <p:nvPr>
+            <p:ph type="body" sz="quarter" idx="11" hasCustomPrompt="1"/>
+          </p:nvPr>
+        </p:nvSpPr>
+        <p:spPr>
+          <a:xfrm>
+            <a:off x="-1" y="4657996"/>
+            <a:ext cx="280705" cy="123111"/>
+          </a:xfrm>
+        </p:spPr>
+        <p:txBody>
+          <a:bodyPr lIns="0" tIns="0" rIns="0" bIns="0" anchor="ctr">
+            <a:normAutofit/>
+          </a:bodyPr>
+          <a:lstStyle>
+            <a:lvl1pPr marL="0" indent="0" algn="ctr">
+              <a:buNone/>
+              <a:defRPr sz="600" b="1">
+                <a:solidFill>
+                  <a:schemeClr val="bg1"/>
+                </a:solidFill>
+              </a:defRPr>
+            </a:lvl1pPr>
+          </a:lstStyle>
+          <a:p>
+            <a:pPr lvl="0"/>
+            <a:r>
+              <a:rPr lang="en-US" dirty="0" err="1"/>
+              <a:t>p_n</a:t>
+            </a:r>
+            <a:endParaRPr lang="en-IL" dirty="0"/>
+          </a:p>
+        </p:txBody>
+      </p:sp>
+      <p:sp>
+        <p:nvSpPr>
+          <p:cNvPr id="13" name="analysis_number">
+            <a:extLst>
+              <a:ext uri="{FF2B5EF4-FFF2-40B4-BE49-F238E27FC236}">
+                <a16:creationId xmlns:a16="http://schemas.microsoft.com/office/drawing/2014/main" id="{196AF0B3-D0A9-5E4E-BE97-6D217790F8CA}"/>
+              </a:ext>
+            </a:extLst>
+          </p:cNvPr>
+          <p:cNvSpPr>
+            <a:spLocks noGrp="1"/>
+          </p:cNvSpPr>
+          <p:nvPr>
+            <p:ph type="body" sz="quarter" idx="12" hasCustomPrompt="1"/>
+          </p:nvPr>
+        </p:nvSpPr>
+        <p:spPr>
+          <a:xfrm>
+            <a:off x="5930900" y="179388"/>
+            <a:ext cx="657225" cy="230187"/>
+          </a:xfrm>
+        </p:spPr>
+        <p:txBody>
+          <a:bodyPr lIns="0" tIns="0" rIns="0" bIns="0" anchor="ctr"/>
+          <a:lstStyle>
+            <a:lvl1pPr marL="0" indent="0" algn="r">
+              <a:buNone/>
+              <a:defRPr b="1">
+                <a:solidFill>
+                  <a:schemeClr val="accent1">
+                    <a:lumMod val="60000"/>
+                    <a:lumOff val="40000"/>
+                  </a:schemeClr>
+                </a:solidFill>
+                <a:latin typeface="Arial" panose="020B0604020202020204" pitchFamily="34" charset="0"/>
+                <a:cs typeface="Arial" panose="020B0604020202020204" pitchFamily="34" charset="0"/>
+              </a:defRPr>
+            </a:lvl1pPr>
+          </a:lstStyle>
+          <a:p>
+            <a:pPr lvl="0"/>
+            <a:r>
+              <a:rPr lang="en-IL" dirty="0"/>
+              <a:t>a_n</a:t>
+            </a:r>
+          </a:p>
+        </p:txBody>
+      </p:sp>
+      <p:sp>
+        <p:nvSpPr>
+          <p:cNvPr id="24" name="title_text">
+            <a:extLst>
+              <a:ext uri="{FF2B5EF4-FFF2-40B4-BE49-F238E27FC236}">
+                <a16:creationId xmlns:a16="http://schemas.microsoft.com/office/drawing/2014/main" id="{B119C92A-366C-B44A-8FD7-913B276D5629}"/>
+              </a:ext>
+            </a:extLst>
+          </p:cNvPr>
+          <p:cNvSpPr>
+            <a:spLocks noGrp="1"/>
+          </p:cNvSpPr>
+          <p:nvPr>
+            <p:ph type="body" sz="quarter" idx="13" hasCustomPrompt="1"/>
+          </p:nvPr>
+        </p:nvSpPr>
+        <p:spPr>
+          <a:xfrm>
+            <a:off x="252414" y="520711"/>
+            <a:ext cx="6335712" cy="263570"/>
+          </a:xfrm>
+        </p:spPr>
+        <p:txBody>
+          <a:bodyPr lIns="0" tIns="0" rIns="0" bIns="0" anchor="t">
+            <a:noAutofit/>
+          </a:bodyPr>
+          <a:lstStyle>
+            <a:lvl1pPr marL="0" indent="0" algn="r" rtl="1">
+              <a:buFontTx/>
+              <a:buNone/>
+              <a:defRPr sz="1600" b="1">
+                <a:latin typeface="Arial" panose="020B0604020202020204" pitchFamily="34" charset="0"/>
+                <a:cs typeface="Arial" panose="020B0604020202020204" pitchFamily="34" charset="0"/>
+              </a:defRPr>
+            </a:lvl1pPr>
+            <a:lvl2pPr marL="321640" indent="0">
+              <a:buNone/>
+              <a:defRPr/>
+            </a:lvl2pPr>
+          </a:lstStyle>
+          <a:p>
+            <a:pPr lvl="0"/>
+            <a:r>
+              <a:rPr lang="en-US" dirty="0"/>
+              <a:t>title</a:t>
+            </a:r>
+          </a:p>
+        </p:txBody>
+      </p:sp>
+      <p:sp>
+        <p:nvSpPr>
+          <p:cNvPr id="26" name="main_text">
+            <a:extLst>
+              <a:ext uri="{FF2B5EF4-FFF2-40B4-BE49-F238E27FC236}">
+                <a16:creationId xmlns:a16="http://schemas.microsoft.com/office/drawing/2014/main" id="{5D2B8F72-D20C-8647-A734-B4C5BC8FC7E0}"/>
+              </a:ext>
+            </a:extLst>
+          </p:cNvPr>
+          <p:cNvSpPr>
+            <a:spLocks noGrp="1"/>
+          </p:cNvSpPr>
+          <p:nvPr>
+            <p:ph type="body" sz="quarter" idx="14" hasCustomPrompt="1"/>
+          </p:nvPr>
+        </p:nvSpPr>
+        <p:spPr>
+          <a:xfrm>
+            <a:off x="244061" y="872656"/>
+            <a:ext cx="6335714" cy="476829"/>
+          </a:xfrm>
+        </p:spPr>
+        <p:txBody>
+          <a:bodyPr lIns="0" tIns="0" rIns="0" bIns="0"/>
+          <a:lstStyle>
+            <a:lvl1pPr marL="0" indent="0" algn="r" rtl="1">
+              <a:buNone/>
+              <a:defRPr sz="900">
+                <a:latin typeface="Arial" panose="020B0604020202020204" pitchFamily="34" charset="0"/>
+                <a:cs typeface="Arial" panose="020B0604020202020204" pitchFamily="34" charset="0"/>
+              </a:defRPr>
+            </a:lvl1pPr>
+            <a:lvl2pPr marL="321640" indent="0">
+              <a:buNone/>
+              <a:defRPr/>
+            </a:lvl2pPr>
+            <a:lvl3pPr marL="643281" indent="0">
+              <a:buNone/>
+              <a:defRPr/>
+            </a:lvl3pPr>
+            <a:lvl4pPr marL="964921" indent="0">
+              <a:buNone/>
+              <a:defRPr/>
+            </a:lvl4pPr>
+            <a:lvl5pPr marL="1286561" indent="0">
+              <a:buNone/>
+              <a:defRPr/>
+            </a:lvl5pPr>
+          </a:lstStyle>
+          <a:p>
+            <a:pPr lvl="0"/>
+            <a:r>
+              <a:rPr lang="en-US" dirty="0"/>
+              <a:t>text</a:t>
+            </a:r>
+          </a:p>
+          <a:p>
+            <a:pPr lvl="1"/>
+            <a:endParaRPr lang="en-IL" dirty="0"/>
+          </a:p>
+        </p:txBody>
+      </p:sp>
+      <p:sp>
+        <p:nvSpPr>
+          <p:cNvPr id="6" name="plot_place">
+            <a:extLst>
+              <a:ext uri="{FF2B5EF4-FFF2-40B4-BE49-F238E27FC236}">
+                <a16:creationId xmlns:a16="http://schemas.microsoft.com/office/drawing/2014/main" id="{9D0ACA94-4CC0-764D-88FE-C5039A0E303C}"/>
+              </a:ext>
+            </a:extLst>
+          </p:cNvPr>
+          <p:cNvSpPr>
+            <a:spLocks noGrp="1"/>
+          </p:cNvSpPr>
+          <p:nvPr>
+            <p:ph type="pic" sz="quarter" idx="15"/>
+          </p:nvPr>
+        </p:nvSpPr>
+        <p:spPr>
+          <a:xfrm>
+            <a:off x="252413" y="1398739"/>
+            <a:ext cx="6327362" cy="3214535"/>
+          </a:xfrm>
+        </p:spPr>
+        <p:txBody>
+          <a:bodyPr lIns="0" tIns="0" rIns="0" bIns="0"/>
+          <a:lstStyle/>
+          <a:p>
+            <a:pPr marL="160820" indent="-160820" algn="r" defTabSz="643280" rtl="1" eaLnBrk="1" latinLnBrk="0" hangingPunct="1">
+              <a:lnSpc>
+                <a:spcPct val="90000"/>
+              </a:lnSpc>
+              <a:spcBef>
+                <a:spcPts val="704"/>
+              </a:spcBef>
+              <a:buFont typeface="Arial" panose="020B0604020202020204" pitchFamily="34" charset="0"/>
+              <a:buChar char="•"/>
+            </a:pPr>
+            <a:endParaRPr lang="en-IL" dirty="0"/>
+          </a:p>
+        </p:txBody>
+      </p:sp>
+    </p:spTree>
+    <p:extLst>
+      <p:ext uri="{BB962C8B-B14F-4D97-AF65-F5344CB8AC3E}">
+        <p14:creationId xmlns:p14="http://schemas.microsoft.com/office/powerpoint/2010/main" val="3926928134"/>
+      </p:ext>
+    </p:extLst>
+  </p:cSld>
+  <p:clrMapOvr>
+    <a:masterClrMapping/>
+  </p:clrMapOvr>
+  <p:extLst>
+    <p:ext uri="{DCECCB84-F9BA-43D5-87BE-67443E8EF086}">
+      <p15:sldGuideLst xmlns:p15="http://schemas.microsoft.com/office/powerpoint/2012/main">
+        <p15:guide id="1" pos="159" userDrawn="1">
+          <p15:clr>
+            <a:srgbClr val="FBAE40"/>
+          </p15:clr>
+        </p15:guide>
+        <p15:guide id="2" orient="horz" pos="1520" userDrawn="1">
+          <p15:clr>
+            <a:srgbClr val="FBAE40"/>
+          </p15:clr>
+        </p15:guide>
+        <p15:guide id="3" orient="horz" pos="23" userDrawn="1">
+          <p15:clr>
+            <a:srgbClr val="000000"/>
+          </p15:clr>
+        </p15:guide>
+        <p15:guide id="4" orient="horz" pos="3016" userDrawn="1">
+          <p15:clr>
+            <a:srgbClr val="000000"/>
+          </p15:clr>
+        </p15:guide>
+        <p15:guide id="5" pos="23" userDrawn="1">
+          <p15:clr>
+            <a:srgbClr val="000000"/>
+          </p15:clr>
+        </p15:guide>
+        <p15:guide id="6" pos="4286" userDrawn="1">
+          <p15:clr>
+            <a:srgbClr val="000000"/>
+          </p15:clr>
+        </p15:guide>
+        <p15:guide id="7" pos="2132" userDrawn="1">
+          <p15:clr>
+            <a:srgbClr val="000000"/>
+          </p15:clr>
+        </p15:guide>
+        <p15:guide id="8" pos="2177" userDrawn="1">
+          <p15:clr>
+            <a:srgbClr val="000000"/>
+          </p15:clr>
+        </p15:guide>
+        <p15:guide id="9" orient="horz" pos="2926" userDrawn="1">
+          <p15:clr>
+            <a:srgbClr val="FBAE40"/>
+          </p15:clr>
+        </p15:guide>
+        <p15:guide id="10" orient="horz" pos="113" userDrawn="1">
+          <p15:clr>
+            <a:srgbClr val="FBAE40"/>
+          </p15:clr>
+        </p15:guide>
+        <p15:guide id="12" pos="4150" userDrawn="1">
+          <p15:clr>
+            <a:srgbClr val="FBAE40"/>
+          </p15:clr>
+        </p15:guide>
+        <p15:guide id="13" pos="2154" userDrawn="1">
+          <p15:clr>
+            <a:srgbClr val="FBAE40"/>
+          </p15:clr>
+        </p15:guide>
+        <p15:guide id="14" pos="272" userDrawn="1">
+          <p15:clr>
+            <a:srgbClr val="FBAE40"/>
+          </p15:clr>
+        </p15:guide>
+      </p15:sldGuideLst>
+    </p:ext>
+  </p:extLst>
+</p:sldLayout>
+</file>
+
+<file path=ppt/slideLayouts/slideLayout7.xml><?xml version="1.0" encoding="utf-8"?>
+<p:sldLayout xmlns:a="http://schemas.openxmlformats.org/drawingml/2006/main" xmlns:r="http://schemas.openxmlformats.org/officeDocument/2006/relationships" xmlns:p="http://schemas.openxmlformats.org/presentationml/2006/main" preserve="1" userDrawn="1">
+  <p:cSld name="p_100">
+    <p:bg>
+      <p:bgPr>
+        <a:solidFill>
+          <a:schemeClr val="bg1"/>
+        </a:solidFill>
+        <a:effectLst/>
+      </p:bgPr>
+    </p:bg>
+    <p:spTree>
+      <p:nvGrpSpPr>
+        <p:cNvPr id="1" name=""/>
+        <p:cNvGrpSpPr/>
+        <p:nvPr/>
+      </p:nvGrpSpPr>
+      <p:grpSpPr>
+        <a:xfrm>
+          <a:off x="0" y="0"/>
+          <a:ext cx="0" cy="0"/>
+          <a:chOff x="0" y="0"/>
+          <a:chExt cx="0" cy="0"/>
+        </a:xfrm>
+      </p:grpSpPr>
+      <p:cxnSp>
+        <p:nvCxnSpPr>
+          <p:cNvPr id="16" name="static_line">
+            <a:extLst>
+              <a:ext uri="{FF2B5EF4-FFF2-40B4-BE49-F238E27FC236}">
+                <a16:creationId xmlns:a16="http://schemas.microsoft.com/office/drawing/2014/main" id="{2016B5E9-5CA4-9A47-9918-2F3A07F9774B}"/>
+              </a:ext>
+            </a:extLst>
+          </p:cNvPr>
+          <p:cNvCxnSpPr>
+            <a:cxnSpLocks/>
+          </p:cNvCxnSpPr>
+          <p:nvPr userDrawn="1"/>
+        </p:nvCxnSpPr>
+        <p:spPr>
+          <a:xfrm flipH="1">
+            <a:off x="431800" y="817932"/>
+            <a:ext cx="6156328" cy="0"/>
+          </a:xfrm>
+          <a:prstGeom prst="line">
+            <a:avLst/>
+          </a:prstGeom>
+          <a:ln w="15875">
+            <a:solidFill>
+              <a:schemeClr val="accent1">
+                <a:lumMod val="60000"/>
+                <a:lumOff val="40000"/>
+              </a:schemeClr>
+            </a:solidFill>
+          </a:ln>
+        </p:spPr>
+        <p:style>
+          <a:lnRef idx="1">
+            <a:schemeClr val="accent1"/>
+          </a:lnRef>
+          <a:fillRef idx="0">
+            <a:schemeClr val="accent1"/>
+          </a:fillRef>
+          <a:effectRef idx="0">
+            <a:schemeClr val="accent1"/>
+          </a:effectRef>
+          <a:fontRef idx="minor">
+            <a:schemeClr val="tx1"/>
+          </a:fontRef>
+        </p:style>
+      </p:cxnSp>
+      <p:sp>
+        <p:nvSpPr>
+          <p:cNvPr id="2" name="static_text">
+            <a:extLst>
+              <a:ext uri="{FF2B5EF4-FFF2-40B4-BE49-F238E27FC236}">
+                <a16:creationId xmlns:a16="http://schemas.microsoft.com/office/drawing/2014/main" id="{A5DE7A3C-5DF0-8540-812E-06AB52B41FB7}"/>
+              </a:ext>
+            </a:extLst>
+          </p:cNvPr>
+          <p:cNvSpPr txBox="1"/>
+          <p:nvPr userDrawn="1"/>
+        </p:nvSpPr>
+        <p:spPr>
+          <a:xfrm>
+            <a:off x="306908" y="4673385"/>
+            <a:ext cx="1255675" cy="107722"/>
+          </a:xfrm>
+          <a:prstGeom prst="rect">
+            <a:avLst/>
+          </a:prstGeom>
+          <a:noFill/>
+        </p:spPr>
+        <p:txBody>
+          <a:bodyPr wrap="square" lIns="0" tIns="0" rIns="0" bIns="0" rtlCol="0" anchor="t">
+            <a:spAutoFit/>
+          </a:bodyPr>
+          <a:lstStyle/>
+          <a:p>
+            <a:pPr algn="ctr"/>
+            <a:r>
+              <a:rPr lang="he-IL" sz="700" dirty="0"/>
+              <a:t>פרק 4 מערכת הבריאות הממשלתית</a:t>
+            </a:r>
+            <a:endParaRPr lang="en-IL" sz="700" dirty="0"/>
+          </a:p>
+        </p:txBody>
+      </p:sp>
+      <p:sp>
+        <p:nvSpPr>
+          <p:cNvPr id="3" name="static_box_page_number">
+            <a:extLst>
+              <a:ext uri="{FF2B5EF4-FFF2-40B4-BE49-F238E27FC236}">
+                <a16:creationId xmlns:a16="http://schemas.microsoft.com/office/drawing/2014/main" id="{E9A34914-2E95-3844-BE6E-43DCE8D48D28}"/>
+              </a:ext>
+            </a:extLst>
+          </p:cNvPr>
+          <p:cNvSpPr/>
+          <p:nvPr userDrawn="1"/>
+        </p:nvSpPr>
+        <p:spPr>
+          <a:xfrm>
+            <a:off x="0" y="4662525"/>
+            <a:ext cx="280705" cy="123111"/>
+          </a:xfrm>
+          <a:prstGeom prst="rect">
+            <a:avLst/>
+          </a:prstGeom>
+          <a:solidFill>
+            <a:schemeClr val="accent1"/>
+          </a:solidFill>
+          <a:ln w="0"/>
+        </p:spPr>
+        <p:style>
+          <a:lnRef idx="2">
+            <a:schemeClr val="accent1">
+              <a:shade val="50000"/>
+            </a:schemeClr>
+          </a:lnRef>
+          <a:fillRef idx="1">
+            <a:schemeClr val="accent1"/>
+          </a:fillRef>
+          <a:effectRef idx="0">
+            <a:schemeClr val="accent1"/>
+          </a:effectRef>
+          <a:fontRef idx="minor">
+            <a:schemeClr val="lt1"/>
+          </a:fontRef>
+        </p:style>
+        <p:txBody>
+          <a:bodyPr rtlCol="0" anchor="ctr"/>
+          <a:lstStyle/>
+          <a:p>
+            <a:pPr marL="0" algn="ctr" defTabSz="457200" rtl="0" eaLnBrk="1" latinLnBrk="0" hangingPunct="1"/>
+            <a:endParaRPr lang="en-IL" dirty="0"/>
+          </a:p>
+        </p:txBody>
+      </p:sp>
+      <p:sp>
+        <p:nvSpPr>
+          <p:cNvPr id="11" name="static_box_top">
+            <a:extLst>
+              <a:ext uri="{FF2B5EF4-FFF2-40B4-BE49-F238E27FC236}">
+                <a16:creationId xmlns:a16="http://schemas.microsoft.com/office/drawing/2014/main" id="{3CBFF075-9909-7C4E-BA60-EC74CE4A8B9F}"/>
+              </a:ext>
+            </a:extLst>
+          </p:cNvPr>
+          <p:cNvSpPr/>
+          <p:nvPr userDrawn="1"/>
+        </p:nvSpPr>
+        <p:spPr>
+          <a:xfrm>
+            <a:off x="431800" y="428625"/>
+            <a:ext cx="6156326" cy="45719"/>
+          </a:xfrm>
+          <a:prstGeom prst="rect">
+            <a:avLst/>
+          </a:prstGeom>
+          <a:solidFill>
+            <a:schemeClr val="accent5"/>
+          </a:solidFill>
+          <a:ln w="0" cap="flat" cmpd="tri">
+            <a:prstDash val="solid"/>
+            <a:miter lim="800000"/>
+          </a:ln>
+        </p:spPr>
+        <p:style>
+          <a:lnRef idx="2">
+            <a:schemeClr val="accent5">
+              <a:shade val="50000"/>
+            </a:schemeClr>
+          </a:lnRef>
+          <a:fillRef idx="1">
+            <a:schemeClr val="accent5"/>
+          </a:fillRef>
+          <a:effectRef idx="0">
+            <a:schemeClr val="accent5"/>
+          </a:effectRef>
+          <a:fontRef idx="minor">
+            <a:schemeClr val="lt1"/>
+          </a:fontRef>
+        </p:style>
+        <p:txBody>
+          <a:bodyPr rtlCol="0" anchor="ctr"/>
+          <a:lstStyle/>
+          <a:p>
+            <a:pPr marL="0" algn="ctr" defTabSz="457200" rtl="0" eaLnBrk="1" latinLnBrk="0" hangingPunct="1"/>
+            <a:endParaRPr lang="en-IL" dirty="0"/>
+          </a:p>
+        </p:txBody>
+      </p:sp>
+      <p:sp>
+        <p:nvSpPr>
+          <p:cNvPr id="10" name="page_number">
+            <a:extLst>
+              <a:ext uri="{FF2B5EF4-FFF2-40B4-BE49-F238E27FC236}">
+                <a16:creationId xmlns:a16="http://schemas.microsoft.com/office/drawing/2014/main" id="{5804BB10-C653-B54B-8392-330391724E37}"/>
+              </a:ext>
+            </a:extLst>
+          </p:cNvPr>
+          <p:cNvSpPr>
+            <a:spLocks noGrp="1"/>
+          </p:cNvSpPr>
+          <p:nvPr>
+            <p:ph type="body" sz="quarter" idx="11" hasCustomPrompt="1"/>
+          </p:nvPr>
+        </p:nvSpPr>
+        <p:spPr>
+          <a:xfrm>
+            <a:off x="-1" y="4657996"/>
+            <a:ext cx="280705" cy="123111"/>
+          </a:xfrm>
+        </p:spPr>
+        <p:txBody>
+          <a:bodyPr lIns="0" tIns="0" rIns="0" bIns="0" anchor="ctr">
+            <a:normAutofit/>
+          </a:bodyPr>
+          <a:lstStyle>
+            <a:lvl1pPr marL="0" indent="0" algn="ctr">
+              <a:buNone/>
+              <a:defRPr sz="600" b="1">
+                <a:solidFill>
+                  <a:schemeClr val="bg1"/>
+                </a:solidFill>
+              </a:defRPr>
+            </a:lvl1pPr>
+          </a:lstStyle>
+          <a:p>
+            <a:pPr lvl="0"/>
+            <a:r>
+              <a:rPr lang="en-US" dirty="0" err="1"/>
+              <a:t>p_n</a:t>
+            </a:r>
+            <a:endParaRPr lang="en-IL" dirty="0"/>
+          </a:p>
+        </p:txBody>
+      </p:sp>
+      <p:sp>
+        <p:nvSpPr>
+          <p:cNvPr id="13" name="analysis_number">
+            <a:extLst>
+              <a:ext uri="{FF2B5EF4-FFF2-40B4-BE49-F238E27FC236}">
+                <a16:creationId xmlns:a16="http://schemas.microsoft.com/office/drawing/2014/main" id="{196AF0B3-D0A9-5E4E-BE97-6D217790F8CA}"/>
+              </a:ext>
+            </a:extLst>
+          </p:cNvPr>
+          <p:cNvSpPr>
+            <a:spLocks noGrp="1"/>
+          </p:cNvSpPr>
+          <p:nvPr>
+            <p:ph type="body" sz="quarter" idx="12" hasCustomPrompt="1"/>
+          </p:nvPr>
+        </p:nvSpPr>
+        <p:spPr>
+          <a:xfrm>
+            <a:off x="5930900" y="179388"/>
+            <a:ext cx="657225" cy="230187"/>
+          </a:xfrm>
+        </p:spPr>
+        <p:txBody>
+          <a:bodyPr lIns="0" tIns="0" rIns="0" bIns="0" anchor="ctr"/>
+          <a:lstStyle>
+            <a:lvl1pPr marL="0" indent="0" algn="r">
+              <a:buNone/>
+              <a:defRPr b="1">
+                <a:solidFill>
+                  <a:schemeClr val="accent1">
+                    <a:lumMod val="60000"/>
+                    <a:lumOff val="40000"/>
+                  </a:schemeClr>
+                </a:solidFill>
+                <a:latin typeface="Arial" panose="020B0604020202020204" pitchFamily="34" charset="0"/>
+                <a:cs typeface="Arial" panose="020B0604020202020204" pitchFamily="34" charset="0"/>
+              </a:defRPr>
+            </a:lvl1pPr>
+          </a:lstStyle>
+          <a:p>
+            <a:pPr lvl="0"/>
+            <a:r>
+              <a:rPr lang="en-IL" dirty="0"/>
+              <a:t>a_n</a:t>
+            </a:r>
+          </a:p>
+        </p:txBody>
+      </p:sp>
+      <p:sp>
+        <p:nvSpPr>
+          <p:cNvPr id="24" name="title_text">
+            <a:extLst>
+              <a:ext uri="{FF2B5EF4-FFF2-40B4-BE49-F238E27FC236}">
+                <a16:creationId xmlns:a16="http://schemas.microsoft.com/office/drawing/2014/main" id="{B119C92A-366C-B44A-8FD7-913B276D5629}"/>
+              </a:ext>
+            </a:extLst>
+          </p:cNvPr>
+          <p:cNvSpPr>
+            <a:spLocks noGrp="1"/>
+          </p:cNvSpPr>
+          <p:nvPr>
+            <p:ph type="body" sz="quarter" idx="13" hasCustomPrompt="1"/>
+          </p:nvPr>
+        </p:nvSpPr>
+        <p:spPr>
+          <a:xfrm>
+            <a:off x="252414" y="520711"/>
+            <a:ext cx="6335712" cy="263570"/>
+          </a:xfrm>
+        </p:spPr>
+        <p:txBody>
+          <a:bodyPr lIns="0" tIns="0" rIns="0" bIns="0" anchor="t">
+            <a:noAutofit/>
+          </a:bodyPr>
+          <a:lstStyle>
+            <a:lvl1pPr marL="0" indent="0" algn="r" rtl="1">
+              <a:buFontTx/>
+              <a:buNone/>
+              <a:defRPr sz="1600" b="1">
+                <a:latin typeface="Arial" panose="020B0604020202020204" pitchFamily="34" charset="0"/>
+                <a:cs typeface="Arial" panose="020B0604020202020204" pitchFamily="34" charset="0"/>
+              </a:defRPr>
+            </a:lvl1pPr>
+            <a:lvl2pPr marL="321640" indent="0">
+              <a:buNone/>
+              <a:defRPr/>
+            </a:lvl2pPr>
+          </a:lstStyle>
+          <a:p>
+            <a:pPr lvl="0"/>
+            <a:r>
+              <a:rPr lang="en-US" dirty="0"/>
+              <a:t>title</a:t>
+            </a:r>
+          </a:p>
+        </p:txBody>
+      </p:sp>
+      <p:sp>
+        <p:nvSpPr>
+          <p:cNvPr id="6" name="plot_place">
+            <a:extLst>
+              <a:ext uri="{FF2B5EF4-FFF2-40B4-BE49-F238E27FC236}">
+                <a16:creationId xmlns:a16="http://schemas.microsoft.com/office/drawing/2014/main" id="{9D0ACA94-4CC0-764D-88FE-C5039A0E303C}"/>
+              </a:ext>
+            </a:extLst>
+          </p:cNvPr>
+          <p:cNvSpPr>
+            <a:spLocks noGrp="1"/>
+          </p:cNvSpPr>
+          <p:nvPr>
+            <p:ph type="pic" sz="quarter" idx="15"/>
+          </p:nvPr>
+        </p:nvSpPr>
+        <p:spPr>
+          <a:xfrm>
+            <a:off x="252413" y="882701"/>
+            <a:ext cx="6327362" cy="3730573"/>
+          </a:xfrm>
+        </p:spPr>
+        <p:txBody>
+          <a:bodyPr lIns="0" tIns="0" rIns="0" bIns="0"/>
+          <a:lstStyle/>
+          <a:p>
+            <a:pPr marL="160820" indent="-160820" algn="l" defTabSz="643280" rtl="0" eaLnBrk="1" latinLnBrk="0" hangingPunct="1">
+              <a:lnSpc>
+                <a:spcPct val="90000"/>
+              </a:lnSpc>
+              <a:spcBef>
+                <a:spcPts val="704"/>
+              </a:spcBef>
+              <a:buFont typeface="Arial" panose="020B0604020202020204" pitchFamily="34" charset="0"/>
+              <a:buChar char="•"/>
+            </a:pPr>
+            <a:endParaRPr lang="en-IL" dirty="0"/>
+          </a:p>
+        </p:txBody>
+      </p:sp>
+    </p:spTree>
+    <p:extLst>
+      <p:ext uri="{BB962C8B-B14F-4D97-AF65-F5344CB8AC3E}">
+        <p14:creationId xmlns:p14="http://schemas.microsoft.com/office/powerpoint/2010/main" val="1145276841"/>
+      </p:ext>
+    </p:extLst>
+  </p:cSld>
+  <p:clrMapOvr>
+    <a:masterClrMapping/>
+  </p:clrMapOvr>
+  <p:extLst>
+    <p:ext uri="{DCECCB84-F9BA-43D5-87BE-67443E8EF086}">
+      <p15:sldGuideLst xmlns:p15="http://schemas.microsoft.com/office/powerpoint/2012/main">
+        <p15:guide id="1" pos="159" userDrawn="1">
+          <p15:clr>
+            <a:srgbClr val="FBAE40"/>
+          </p15:clr>
+        </p15:guide>
+        <p15:guide id="2" orient="horz" pos="1520" userDrawn="1">
+          <p15:clr>
+            <a:srgbClr val="FBAE40"/>
+          </p15:clr>
+        </p15:guide>
+        <p15:guide id="3" orient="horz" pos="23" userDrawn="1">
+          <p15:clr>
+            <a:srgbClr val="000000"/>
+          </p15:clr>
+        </p15:guide>
+        <p15:guide id="4" orient="horz" pos="3016" userDrawn="1">
+          <p15:clr>
+            <a:srgbClr val="000000"/>
+          </p15:clr>
+        </p15:guide>
+        <p15:guide id="5" pos="23" userDrawn="1">
+          <p15:clr>
+            <a:srgbClr val="000000"/>
+          </p15:clr>
+        </p15:guide>
+        <p15:guide id="6" pos="4286" userDrawn="1">
+          <p15:clr>
+            <a:srgbClr val="000000"/>
+          </p15:clr>
+        </p15:guide>
+        <p15:guide id="7" pos="2132" userDrawn="1">
+          <p15:clr>
+            <a:srgbClr val="000000"/>
+          </p15:clr>
+        </p15:guide>
+        <p15:guide id="8" pos="2177" userDrawn="1">
+          <p15:clr>
+            <a:srgbClr val="000000"/>
+          </p15:clr>
+        </p15:guide>
+        <p15:guide id="9" orient="horz" pos="2926" userDrawn="1">
+          <p15:clr>
+            <a:srgbClr val="FBAE40"/>
+          </p15:clr>
+        </p15:guide>
+        <p15:guide id="10" orient="horz" pos="113" userDrawn="1">
+          <p15:clr>
+            <a:srgbClr val="FBAE40"/>
+          </p15:clr>
+        </p15:guide>
+        <p15:guide id="12" pos="4150" userDrawn="1">
+          <p15:clr>
+            <a:srgbClr val="FBAE40"/>
+          </p15:clr>
+        </p15:guide>
+        <p15:guide id="13" pos="2154" userDrawn="1">
+          <p15:clr>
+            <a:srgbClr val="FBAE40"/>
+          </p15:clr>
+        </p15:guide>
+        <p15:guide id="14" pos="272" userDrawn="1">
+          <p15:clr>
+            <a:srgbClr val="FBAE40"/>
           </p15:clr>
         </p15:guide>
       </p15:sldGuideLst>
@@ -754,6 +3842,10 @@
     <p:sldLayoutId id="2147483676" r:id="rId1"/>
     <p:sldLayoutId id="2147483650" r:id="rId2"/>
     <p:sldLayoutId id="2147483677" r:id="rId3"/>
+    <p:sldLayoutId id="2147483678" r:id="rId4"/>
+    <p:sldLayoutId id="2147483679" r:id="rId5"/>
+    <p:sldLayoutId id="2147483680" r:id="rId6"/>
+    <p:sldLayoutId id="2147483681" r:id="rId7"/>
   </p:sldLayoutIdLst>
   <p:txStyles>
     <p:titleStyle>
